--- a/raspWS.pptx
+++ b/raspWS.pptx
@@ -312,7 +312,7 @@
             <a:fld id="{B61BEF0D-F0BB-DE4B-95CE-6DB70DBA9567}" type="datetimeFigureOut">
               <a:rPr lang="en-US" dirty="0"/>
               <a:pPr/>
-              <a:t>12/16/2016</a:t>
+              <a:t>12/26/2016</a:t>
             </a:fld>
             <a:endParaRPr lang="en-US" dirty="0"/>
           </a:p>
@@ -647,7 +647,7 @@
             <a:fld id="{B61BEF0D-F0BB-DE4B-95CE-6DB70DBA9567}" type="datetimeFigureOut">
               <a:rPr lang="en-US" dirty="0"/>
               <a:pPr/>
-              <a:t>12/16/2016</a:t>
+              <a:t>12/26/2016</a:t>
             </a:fld>
             <a:endParaRPr lang="en-US" dirty="0"/>
           </a:p>
@@ -1045,7 +1045,7 @@
             <a:fld id="{B61BEF0D-F0BB-DE4B-95CE-6DB70DBA9567}" type="datetimeFigureOut">
               <a:rPr lang="en-US" dirty="0"/>
               <a:pPr/>
-              <a:t>12/16/2016</a:t>
+              <a:t>12/26/2016</a:t>
             </a:fld>
             <a:endParaRPr lang="en-US" dirty="0"/>
           </a:p>
@@ -1378,7 +1378,7 @@
             <a:fld id="{B61BEF0D-F0BB-DE4B-95CE-6DB70DBA9567}" type="datetimeFigureOut">
               <a:rPr lang="en-US" dirty="0"/>
               <a:pPr/>
-              <a:t>12/16/2016</a:t>
+              <a:t>12/26/2016</a:t>
             </a:fld>
             <a:endParaRPr lang="en-US" dirty="0"/>
           </a:p>
@@ -1695,7 +1695,7 @@
             <a:fld id="{B61BEF0D-F0BB-DE4B-95CE-6DB70DBA9567}" type="datetimeFigureOut">
               <a:rPr lang="en-US" dirty="0"/>
               <a:pPr/>
-              <a:t>12/16/2016</a:t>
+              <a:t>12/26/2016</a:t>
             </a:fld>
             <a:endParaRPr lang="en-US" dirty="0"/>
           </a:p>
@@ -2088,7 +2088,7 @@
             <a:fld id="{B61BEF0D-F0BB-DE4B-95CE-6DB70DBA9567}" type="datetimeFigureOut">
               <a:rPr lang="en-US" dirty="0"/>
               <a:pPr/>
-              <a:t>12/16/2016</a:t>
+              <a:t>12/26/2016</a:t>
             </a:fld>
             <a:endParaRPr lang="en-US" dirty="0"/>
           </a:p>
@@ -2342,7 +2342,7 @@
             <a:fld id="{B61BEF0D-F0BB-DE4B-95CE-6DB70DBA9567}" type="datetimeFigureOut">
               <a:rPr lang="en-US" dirty="0"/>
               <a:pPr/>
-              <a:t>12/16/2016</a:t>
+              <a:t>12/26/2016</a:t>
             </a:fld>
             <a:endParaRPr lang="en-US" dirty="0"/>
           </a:p>
@@ -2601,7 +2601,7 @@
             <a:fld id="{B61BEF0D-F0BB-DE4B-95CE-6DB70DBA9567}" type="datetimeFigureOut">
               <a:rPr lang="en-US" dirty="0"/>
               <a:pPr/>
-              <a:t>12/16/2016</a:t>
+              <a:t>12/26/2016</a:t>
             </a:fld>
             <a:endParaRPr lang="en-US" dirty="0"/>
           </a:p>
@@ -2860,7 +2860,7 @@
             <a:fld id="{B61BEF0D-F0BB-DE4B-95CE-6DB70DBA9567}" type="datetimeFigureOut">
               <a:rPr lang="en-US" dirty="0"/>
               <a:pPr/>
-              <a:t>12/16/2016</a:t>
+              <a:t>12/26/2016</a:t>
             </a:fld>
             <a:endParaRPr lang="en-US" dirty="0"/>
           </a:p>
@@ -3186,7 +3186,7 @@
             <a:fld id="{B61BEF0D-F0BB-DE4B-95CE-6DB70DBA9567}" type="datetimeFigureOut">
               <a:rPr lang="en-US" dirty="0"/>
               <a:pPr/>
-              <a:t>12/16/2016</a:t>
+              <a:t>12/26/2016</a:t>
             </a:fld>
             <a:endParaRPr lang="en-US" dirty="0"/>
           </a:p>
@@ -3506,7 +3506,7 @@
             <a:fld id="{B61BEF0D-F0BB-DE4B-95CE-6DB70DBA9567}" type="datetimeFigureOut">
               <a:rPr lang="en-US" dirty="0"/>
               <a:pPr/>
-              <a:t>12/16/2016</a:t>
+              <a:t>12/26/2016</a:t>
             </a:fld>
             <a:endParaRPr lang="en-US" dirty="0"/>
           </a:p>
@@ -3960,7 +3960,7 @@
             <a:fld id="{B61BEF0D-F0BB-DE4B-95CE-6DB70DBA9567}" type="datetimeFigureOut">
               <a:rPr lang="en-US" dirty="0"/>
               <a:pPr/>
-              <a:t>12/16/2016</a:t>
+              <a:t>12/26/2016</a:t>
             </a:fld>
             <a:endParaRPr lang="en-US" dirty="0"/>
           </a:p>
@@ -4162,7 +4162,7 @@
             <a:fld id="{B61BEF0D-F0BB-DE4B-95CE-6DB70DBA9567}" type="datetimeFigureOut">
               <a:rPr lang="en-US" dirty="0"/>
               <a:pPr/>
-              <a:t>12/16/2016</a:t>
+              <a:t>12/26/2016</a:t>
             </a:fld>
             <a:endParaRPr lang="en-US" dirty="0"/>
           </a:p>
@@ -4336,7 +4336,7 @@
             <a:fld id="{B61BEF0D-F0BB-DE4B-95CE-6DB70DBA9567}" type="datetimeFigureOut">
               <a:rPr lang="en-US" dirty="0"/>
               <a:pPr/>
-              <a:t>12/16/2016</a:t>
+              <a:t>12/26/2016</a:t>
             </a:fld>
             <a:endParaRPr lang="en-US" dirty="0"/>
           </a:p>
@@ -4666,7 +4666,7 @@
             <a:fld id="{B61BEF0D-F0BB-DE4B-95CE-6DB70DBA9567}" type="datetimeFigureOut">
               <a:rPr lang="en-US" dirty="0"/>
               <a:pPr/>
-              <a:t>12/16/2016</a:t>
+              <a:t>12/26/2016</a:t>
             </a:fld>
             <a:endParaRPr lang="en-US" dirty="0"/>
           </a:p>
@@ -5008,7 +5008,7 @@
             <a:fld id="{B61BEF0D-F0BB-DE4B-95CE-6DB70DBA9567}" type="datetimeFigureOut">
               <a:rPr lang="en-US" dirty="0"/>
               <a:pPr/>
-              <a:t>12/16/2016</a:t>
+              <a:t>12/26/2016</a:t>
             </a:fld>
             <a:endParaRPr lang="en-US" dirty="0"/>
           </a:p>
@@ -7122,7 +7122,7 @@
             <a:fld id="{B61BEF0D-F0BB-DE4B-95CE-6DB70DBA9567}" type="datetimeFigureOut">
               <a:rPr lang="en-US" dirty="0"/>
               <a:pPr/>
-              <a:t>12/16/2016</a:t>
+              <a:t>12/26/2016</a:t>
             </a:fld>
             <a:endParaRPr lang="en-US" dirty="0"/>
           </a:p>
@@ -7683,15 +7683,7 @@
           <a:p>
             <a:r>
               <a:rPr lang="en-US" dirty="0"/>
-              <a:t>NTU </a:t>
-            </a:r>
-            <a:r>
-              <a:rPr lang="en-US" dirty="0" err="1"/>
-              <a:t>opensource</a:t>
-            </a:r>
-            <a:r>
-              <a:rPr lang="en-US" dirty="0"/>
-              <a:t> society</a:t>
+              <a:t>NTU open source society</a:t>
             </a:r>
             <a:endParaRPr lang="en-GB" dirty="0"/>
           </a:p>
@@ -9028,12 +9020,8 @@
           </a:p>
           <a:p>
             <a:r>
-              <a:rPr lang="en-US" dirty="0" err="1"/>
-              <a:t>Graphics:BroadCom</a:t>
-            </a:r>
-            <a:r>
               <a:rPr lang="en-US" dirty="0"/>
-              <a:t> </a:t>
+              <a:t>Graphic:	Broadcom </a:t>
             </a:r>
             <a:r>
               <a:rPr lang="en-US" dirty="0" err="1"/>
@@ -10531,7 +10519,7 @@
             </a:r>
             <a:r>
               <a:rPr lang="en-US" dirty="0"/>
-              <a:t>???</a:t>
+              <a:t> ???</a:t>
             </a:r>
           </a:p>
           <a:p>
@@ -10548,9 +10536,6 @@
               <a:t>rpi.gpio</a:t>
             </a:r>
             <a:endParaRPr lang="en-US" dirty="0"/>
-          </a:p>
-          <a:p>
-            <a:endParaRPr lang="en-GB" dirty="0"/>
           </a:p>
         </p:txBody>
       </p:sp>
@@ -10640,6 +10625,12 @@
           <a:p>
             <a:r>
               <a:rPr lang="en-US" dirty="0"/>
+              <a:t>Default in LINUX and Mac, Windows must use Putty to connect</a:t>
+            </a:r>
+          </a:p>
+          <a:p>
+            <a:r>
+              <a:rPr lang="en-US" dirty="0"/>
               <a:t>Choose your </a:t>
             </a:r>
             <a:r>
@@ -10648,15 +10639,7 @@
             </a:r>
             <a:r>
               <a:rPr lang="en-US" dirty="0"/>
-              <a:t> </a:t>
-            </a:r>
-            <a:r>
-              <a:rPr lang="en-US" dirty="0" err="1"/>
-              <a:t>wifi</a:t>
-            </a:r>
-            <a:r>
-              <a:rPr lang="en-US" dirty="0"/>
-              <a:t>, make the pi connect to it</a:t>
+              <a:t> Wi-Fi, make the pi connect to it</a:t>
             </a:r>
           </a:p>
           <a:p>

--- a/raspWS.pptx
+++ b/raspWS.pptx
@@ -312,7 +312,7 @@
             <a:fld id="{B61BEF0D-F0BB-DE4B-95CE-6DB70DBA9567}" type="datetimeFigureOut">
               <a:rPr lang="en-US" dirty="0"/>
               <a:pPr/>
-              <a:t>12/26/2016</a:t>
+              <a:t>12/29/2016</a:t>
             </a:fld>
             <a:endParaRPr lang="en-US" dirty="0"/>
           </a:p>
@@ -647,7 +647,7 @@
             <a:fld id="{B61BEF0D-F0BB-DE4B-95CE-6DB70DBA9567}" type="datetimeFigureOut">
               <a:rPr lang="en-US" dirty="0"/>
               <a:pPr/>
-              <a:t>12/26/2016</a:t>
+              <a:t>12/29/2016</a:t>
             </a:fld>
             <a:endParaRPr lang="en-US" dirty="0"/>
           </a:p>
@@ -1045,7 +1045,7 @@
             <a:fld id="{B61BEF0D-F0BB-DE4B-95CE-6DB70DBA9567}" type="datetimeFigureOut">
               <a:rPr lang="en-US" dirty="0"/>
               <a:pPr/>
-              <a:t>12/26/2016</a:t>
+              <a:t>12/29/2016</a:t>
             </a:fld>
             <a:endParaRPr lang="en-US" dirty="0"/>
           </a:p>
@@ -1378,7 +1378,7 @@
             <a:fld id="{B61BEF0D-F0BB-DE4B-95CE-6DB70DBA9567}" type="datetimeFigureOut">
               <a:rPr lang="en-US" dirty="0"/>
               <a:pPr/>
-              <a:t>12/26/2016</a:t>
+              <a:t>12/29/2016</a:t>
             </a:fld>
             <a:endParaRPr lang="en-US" dirty="0"/>
           </a:p>
@@ -1695,7 +1695,7 @@
             <a:fld id="{B61BEF0D-F0BB-DE4B-95CE-6DB70DBA9567}" type="datetimeFigureOut">
               <a:rPr lang="en-US" dirty="0"/>
               <a:pPr/>
-              <a:t>12/26/2016</a:t>
+              <a:t>12/29/2016</a:t>
             </a:fld>
             <a:endParaRPr lang="en-US" dirty="0"/>
           </a:p>
@@ -2088,7 +2088,7 @@
             <a:fld id="{B61BEF0D-F0BB-DE4B-95CE-6DB70DBA9567}" type="datetimeFigureOut">
               <a:rPr lang="en-US" dirty="0"/>
               <a:pPr/>
-              <a:t>12/26/2016</a:t>
+              <a:t>12/29/2016</a:t>
             </a:fld>
             <a:endParaRPr lang="en-US" dirty="0"/>
           </a:p>
@@ -2342,7 +2342,7 @@
             <a:fld id="{B61BEF0D-F0BB-DE4B-95CE-6DB70DBA9567}" type="datetimeFigureOut">
               <a:rPr lang="en-US" dirty="0"/>
               <a:pPr/>
-              <a:t>12/26/2016</a:t>
+              <a:t>12/29/2016</a:t>
             </a:fld>
             <a:endParaRPr lang="en-US" dirty="0"/>
           </a:p>
@@ -2601,7 +2601,7 @@
             <a:fld id="{B61BEF0D-F0BB-DE4B-95CE-6DB70DBA9567}" type="datetimeFigureOut">
               <a:rPr lang="en-US" dirty="0"/>
               <a:pPr/>
-              <a:t>12/26/2016</a:t>
+              <a:t>12/29/2016</a:t>
             </a:fld>
             <a:endParaRPr lang="en-US" dirty="0"/>
           </a:p>
@@ -2860,7 +2860,7 @@
             <a:fld id="{B61BEF0D-F0BB-DE4B-95CE-6DB70DBA9567}" type="datetimeFigureOut">
               <a:rPr lang="en-US" dirty="0"/>
               <a:pPr/>
-              <a:t>12/26/2016</a:t>
+              <a:t>12/29/2016</a:t>
             </a:fld>
             <a:endParaRPr lang="en-US" dirty="0"/>
           </a:p>
@@ -3186,7 +3186,7 @@
             <a:fld id="{B61BEF0D-F0BB-DE4B-95CE-6DB70DBA9567}" type="datetimeFigureOut">
               <a:rPr lang="en-US" dirty="0"/>
               <a:pPr/>
-              <a:t>12/26/2016</a:t>
+              <a:t>12/29/2016</a:t>
             </a:fld>
             <a:endParaRPr lang="en-US" dirty="0"/>
           </a:p>
@@ -3506,7 +3506,7 @@
             <a:fld id="{B61BEF0D-F0BB-DE4B-95CE-6DB70DBA9567}" type="datetimeFigureOut">
               <a:rPr lang="en-US" dirty="0"/>
               <a:pPr/>
-              <a:t>12/26/2016</a:t>
+              <a:t>12/29/2016</a:t>
             </a:fld>
             <a:endParaRPr lang="en-US" dirty="0"/>
           </a:p>
@@ -3960,7 +3960,7 @@
             <a:fld id="{B61BEF0D-F0BB-DE4B-95CE-6DB70DBA9567}" type="datetimeFigureOut">
               <a:rPr lang="en-US" dirty="0"/>
               <a:pPr/>
-              <a:t>12/26/2016</a:t>
+              <a:t>12/29/2016</a:t>
             </a:fld>
             <a:endParaRPr lang="en-US" dirty="0"/>
           </a:p>
@@ -4162,7 +4162,7 @@
             <a:fld id="{B61BEF0D-F0BB-DE4B-95CE-6DB70DBA9567}" type="datetimeFigureOut">
               <a:rPr lang="en-US" dirty="0"/>
               <a:pPr/>
-              <a:t>12/26/2016</a:t>
+              <a:t>12/29/2016</a:t>
             </a:fld>
             <a:endParaRPr lang="en-US" dirty="0"/>
           </a:p>
@@ -4336,7 +4336,7 @@
             <a:fld id="{B61BEF0D-F0BB-DE4B-95CE-6DB70DBA9567}" type="datetimeFigureOut">
               <a:rPr lang="en-US" dirty="0"/>
               <a:pPr/>
-              <a:t>12/26/2016</a:t>
+              <a:t>12/29/2016</a:t>
             </a:fld>
             <a:endParaRPr lang="en-US" dirty="0"/>
           </a:p>
@@ -4666,7 +4666,7 @@
             <a:fld id="{B61BEF0D-F0BB-DE4B-95CE-6DB70DBA9567}" type="datetimeFigureOut">
               <a:rPr lang="en-US" dirty="0"/>
               <a:pPr/>
-              <a:t>12/26/2016</a:t>
+              <a:t>12/29/2016</a:t>
             </a:fld>
             <a:endParaRPr lang="en-US" dirty="0"/>
           </a:p>
@@ -5008,7 +5008,7 @@
             <a:fld id="{B61BEF0D-F0BB-DE4B-95CE-6DB70DBA9567}" type="datetimeFigureOut">
               <a:rPr lang="en-US" dirty="0"/>
               <a:pPr/>
-              <a:t>12/26/2016</a:t>
+              <a:t>12/29/2016</a:t>
             </a:fld>
             <a:endParaRPr lang="en-US" dirty="0"/>
           </a:p>
@@ -7122,7 +7122,7 @@
             <a:fld id="{B61BEF0D-F0BB-DE4B-95CE-6DB70DBA9567}" type="datetimeFigureOut">
               <a:rPr lang="en-US" dirty="0"/>
               <a:pPr/>
-              <a:t>12/26/2016</a:t>
+              <a:t>12/29/2016</a:t>
             </a:fld>
             <a:endParaRPr lang="en-US" dirty="0"/>
           </a:p>
@@ -8174,7 +8174,2934 @@
       </p:grpSpPr>
       <p:sp useBgFill="1">
         <p:nvSpPr>
-          <p:cNvPr id="11" name="Rectangle 10"/>
+          <p:cNvPr id="15" name="Rectangle 14"/>
+          <p:cNvSpPr>
+            <a:spLocks noGrp="1" noRot="1" noChangeAspect="1" noMove="1" noResize="1" noEditPoints="1" noAdjustHandles="1" noChangeArrowheads="1" noChangeShapeType="1" noTextEdit="1"/>
+          </p:cNvSpPr>
+          <p:nvPr>
+            <p:extLst>
+              <p:ext uri="{386F3935-93C4-4BCD-93E2-E3B085C9AB24}">
+                <p16:designElem xmlns:p16="http://schemas.microsoft.com/office/powerpoint/2015/main" val="1"/>
+              </p:ext>
+            </p:extLst>
+          </p:nvPr>
+        </p:nvSpPr>
+        <p:spPr>
+          <a:xfrm>
+            <a:off x="-7620" y="-1"/>
+            <a:ext cx="12207240" cy="6858001"/>
+          </a:xfrm>
+          <a:prstGeom prst="rect">
+            <a:avLst/>
+          </a:prstGeom>
+          <a:ln>
+            <a:noFill/>
+          </a:ln>
+        </p:spPr>
+        <p:style>
+          <a:lnRef idx="2">
+            <a:schemeClr val="accent1">
+              <a:shade val="50000"/>
+            </a:schemeClr>
+          </a:lnRef>
+          <a:fillRef idx="1">
+            <a:schemeClr val="accent1"/>
+          </a:fillRef>
+          <a:effectRef idx="0">
+            <a:schemeClr val="accent1"/>
+          </a:effectRef>
+          <a:fontRef idx="minor">
+            <a:schemeClr val="lt1"/>
+          </a:fontRef>
+        </p:style>
+        <p:txBody>
+          <a:bodyPr rot="0" spcFirstLastPara="0" vert="horz" wrap="square" lIns="91440" tIns="45720" rIns="91440" bIns="45720" numCol="1" spcCol="0" rtlCol="0" fromWordArt="0" anchor="ctr" anchorCtr="0" forceAA="0" compatLnSpc="1">
+            <a:prstTxWarp prst="textNoShape">
+              <a:avLst/>
+            </a:prstTxWarp>
+            <a:noAutofit/>
+          </a:bodyPr>
+          <a:lstStyle>
+            <a:defPPr>
+              <a:defRPr lang="en-US"/>
+            </a:defPPr>
+            <a:lvl1pPr marL="0" algn="l" defTabSz="914400" rtl="0" eaLnBrk="1" latinLnBrk="0" hangingPunct="1">
+              <a:defRPr sz="1800" kern="1200">
+                <a:solidFill>
+                  <a:schemeClr val="lt1"/>
+                </a:solidFill>
+                <a:latin typeface="+mn-lt"/>
+                <a:ea typeface="+mn-ea"/>
+                <a:cs typeface="+mn-cs"/>
+              </a:defRPr>
+            </a:lvl1pPr>
+            <a:lvl2pPr marL="457200" algn="l" defTabSz="914400" rtl="0" eaLnBrk="1" latinLnBrk="0" hangingPunct="1">
+              <a:defRPr sz="1800" kern="1200">
+                <a:solidFill>
+                  <a:schemeClr val="lt1"/>
+                </a:solidFill>
+                <a:latin typeface="+mn-lt"/>
+                <a:ea typeface="+mn-ea"/>
+                <a:cs typeface="+mn-cs"/>
+              </a:defRPr>
+            </a:lvl2pPr>
+            <a:lvl3pPr marL="914400" algn="l" defTabSz="914400" rtl="0" eaLnBrk="1" latinLnBrk="0" hangingPunct="1">
+              <a:defRPr sz="1800" kern="1200">
+                <a:solidFill>
+                  <a:schemeClr val="lt1"/>
+                </a:solidFill>
+                <a:latin typeface="+mn-lt"/>
+                <a:ea typeface="+mn-ea"/>
+                <a:cs typeface="+mn-cs"/>
+              </a:defRPr>
+            </a:lvl3pPr>
+            <a:lvl4pPr marL="1371600" algn="l" defTabSz="914400" rtl="0" eaLnBrk="1" latinLnBrk="0" hangingPunct="1">
+              <a:defRPr sz="1800" kern="1200">
+                <a:solidFill>
+                  <a:schemeClr val="lt1"/>
+                </a:solidFill>
+                <a:latin typeface="+mn-lt"/>
+                <a:ea typeface="+mn-ea"/>
+                <a:cs typeface="+mn-cs"/>
+              </a:defRPr>
+            </a:lvl4pPr>
+            <a:lvl5pPr marL="1828800" algn="l" defTabSz="914400" rtl="0" eaLnBrk="1" latinLnBrk="0" hangingPunct="1">
+              <a:defRPr sz="1800" kern="1200">
+                <a:solidFill>
+                  <a:schemeClr val="lt1"/>
+                </a:solidFill>
+                <a:latin typeface="+mn-lt"/>
+                <a:ea typeface="+mn-ea"/>
+                <a:cs typeface="+mn-cs"/>
+              </a:defRPr>
+            </a:lvl5pPr>
+            <a:lvl6pPr marL="2286000" algn="l" defTabSz="914400" rtl="0" eaLnBrk="1" latinLnBrk="0" hangingPunct="1">
+              <a:defRPr sz="1800" kern="1200">
+                <a:solidFill>
+                  <a:schemeClr val="lt1"/>
+                </a:solidFill>
+                <a:latin typeface="+mn-lt"/>
+                <a:ea typeface="+mn-ea"/>
+                <a:cs typeface="+mn-cs"/>
+              </a:defRPr>
+            </a:lvl6pPr>
+            <a:lvl7pPr marL="2743200" algn="l" defTabSz="914400" rtl="0" eaLnBrk="1" latinLnBrk="0" hangingPunct="1">
+              <a:defRPr sz="1800" kern="1200">
+                <a:solidFill>
+                  <a:schemeClr val="lt1"/>
+                </a:solidFill>
+                <a:latin typeface="+mn-lt"/>
+                <a:ea typeface="+mn-ea"/>
+                <a:cs typeface="+mn-cs"/>
+              </a:defRPr>
+            </a:lvl7pPr>
+            <a:lvl8pPr marL="3200400" algn="l" defTabSz="914400" rtl="0" eaLnBrk="1" latinLnBrk="0" hangingPunct="1">
+              <a:defRPr sz="1800" kern="1200">
+                <a:solidFill>
+                  <a:schemeClr val="lt1"/>
+                </a:solidFill>
+                <a:latin typeface="+mn-lt"/>
+                <a:ea typeface="+mn-ea"/>
+                <a:cs typeface="+mn-cs"/>
+              </a:defRPr>
+            </a:lvl8pPr>
+            <a:lvl9pPr marL="3657600" algn="l" defTabSz="914400" rtl="0" eaLnBrk="1" latinLnBrk="0" hangingPunct="1">
+              <a:defRPr sz="1800" kern="1200">
+                <a:solidFill>
+                  <a:schemeClr val="lt1"/>
+                </a:solidFill>
+                <a:latin typeface="+mn-lt"/>
+                <a:ea typeface="+mn-ea"/>
+                <a:cs typeface="+mn-cs"/>
+              </a:defRPr>
+            </a:lvl9pPr>
+          </a:lstStyle>
+          <a:p>
+            <a:pPr algn="ctr"/>
+            <a:endParaRPr lang="en-US"/>
+          </a:p>
+        </p:txBody>
+      </p:sp>
+      <p:grpSp>
+        <p:nvGrpSpPr>
+          <p:cNvPr id="16" name="Group 15"/>
+          <p:cNvGrpSpPr>
+            <a:grpSpLocks noGrp="1" noUngrp="1" noRot="1" noChangeAspect="1" noMove="1" noResize="1"/>
+          </p:cNvGrpSpPr>
+          <p:nvPr>
+            <p:extLst>
+              <p:ext uri="{386F3935-93C4-4BCD-93E2-E3B085C9AB24}">
+                <p16:designElem xmlns:p16="http://schemas.microsoft.com/office/powerpoint/2015/main" val="1"/>
+              </p:ext>
+            </p:extLst>
+          </p:nvPr>
+        </p:nvGrpSpPr>
+        <p:grpSpPr>
+          <a:xfrm>
+            <a:off x="4836169" y="228600"/>
+            <a:ext cx="2851523" cy="6638625"/>
+            <a:chOff x="2487613" y="285750"/>
+            <a:chExt cx="2428875" cy="5654676"/>
+          </a:xfrm>
+        </p:grpSpPr>
+        <p:sp>
+          <p:nvSpPr>
+            <p:cNvPr id="17" name="Freeform 11"/>
+            <p:cNvSpPr/>
+            <p:nvPr>
+              <p:extLst>
+                <p:ext uri="{386F3935-93C4-4BCD-93E2-E3B085C9AB24}">
+                  <p16:designElem xmlns:p16="http://schemas.microsoft.com/office/powerpoint/2015/main" val="1"/>
+                </p:ext>
+              </p:extLst>
+            </p:nvPr>
+          </p:nvSpPr>
+          <p:spPr bwMode="auto">
+            <a:xfrm>
+              <a:off x="2487613" y="2284413"/>
+              <a:ext cx="85725" cy="533400"/>
+            </a:xfrm>
+            <a:custGeom>
+              <a:avLst/>
+              <a:gdLst/>
+              <a:ahLst/>
+              <a:cxnLst/>
+              <a:rect l="0" t="0" r="r" b="b"/>
+              <a:pathLst>
+                <a:path w="22" h="136">
+                  <a:moveTo>
+                    <a:pt x="22" y="136"/>
+                  </a:moveTo>
+                  <a:cubicBezTo>
+                    <a:pt x="20" y="117"/>
+                    <a:pt x="19" y="99"/>
+                    <a:pt x="17" y="80"/>
+                  </a:cubicBezTo>
+                  <a:cubicBezTo>
+                    <a:pt x="11" y="54"/>
+                    <a:pt x="6" y="27"/>
+                    <a:pt x="0" y="0"/>
+                  </a:cubicBezTo>
+                  <a:cubicBezTo>
+                    <a:pt x="0" y="35"/>
+                    <a:pt x="0" y="35"/>
+                    <a:pt x="0" y="35"/>
+                  </a:cubicBezTo>
+                  <a:cubicBezTo>
+                    <a:pt x="6" y="64"/>
+                    <a:pt x="13" y="94"/>
+                    <a:pt x="20" y="124"/>
+                  </a:cubicBezTo>
+                  <a:cubicBezTo>
+                    <a:pt x="20" y="128"/>
+                    <a:pt x="21" y="132"/>
+                    <a:pt x="22" y="136"/>
+                  </a:cubicBezTo>
+                  <a:close/>
+                </a:path>
+              </a:pathLst>
+            </a:custGeom>
+            <a:solidFill>
+              <a:schemeClr val="tx2">
+                <a:alpha val="20000"/>
+              </a:schemeClr>
+            </a:solidFill>
+            <a:ln>
+              <a:noFill/>
+            </a:ln>
+          </p:spPr>
+        </p:sp>
+        <p:sp>
+          <p:nvSpPr>
+            <p:cNvPr id="18" name="Freeform 12"/>
+            <p:cNvSpPr/>
+            <p:nvPr>
+              <p:extLst>
+                <p:ext uri="{386F3935-93C4-4BCD-93E2-E3B085C9AB24}">
+                  <p16:designElem xmlns:p16="http://schemas.microsoft.com/office/powerpoint/2015/main" val="1"/>
+                </p:ext>
+              </p:extLst>
+            </p:nvPr>
+          </p:nvSpPr>
+          <p:spPr bwMode="auto">
+            <a:xfrm>
+              <a:off x="2597151" y="2779713"/>
+              <a:ext cx="550863" cy="1978025"/>
+            </a:xfrm>
+            <a:custGeom>
+              <a:avLst/>
+              <a:gdLst/>
+              <a:ahLst/>
+              <a:cxnLst/>
+              <a:rect l="0" t="0" r="r" b="b"/>
+              <a:pathLst>
+                <a:path w="140" h="504">
+                  <a:moveTo>
+                    <a:pt x="86" y="350"/>
+                  </a:moveTo>
+                  <a:cubicBezTo>
+                    <a:pt x="103" y="402"/>
+                    <a:pt x="120" y="453"/>
+                    <a:pt x="139" y="504"/>
+                  </a:cubicBezTo>
+                  <a:cubicBezTo>
+                    <a:pt x="139" y="495"/>
+                    <a:pt x="139" y="487"/>
+                    <a:pt x="140" y="478"/>
+                  </a:cubicBezTo>
+                  <a:cubicBezTo>
+                    <a:pt x="124" y="435"/>
+                    <a:pt x="109" y="391"/>
+                    <a:pt x="95" y="347"/>
+                  </a:cubicBezTo>
+                  <a:cubicBezTo>
+                    <a:pt x="58" y="233"/>
+                    <a:pt x="27" y="117"/>
+                    <a:pt x="0" y="0"/>
+                  </a:cubicBezTo>
+                  <a:cubicBezTo>
+                    <a:pt x="2" y="20"/>
+                    <a:pt x="4" y="41"/>
+                    <a:pt x="6" y="61"/>
+                  </a:cubicBezTo>
+                  <a:cubicBezTo>
+                    <a:pt x="30" y="158"/>
+                    <a:pt x="56" y="255"/>
+                    <a:pt x="86" y="350"/>
+                  </a:cubicBezTo>
+                  <a:close/>
+                </a:path>
+              </a:pathLst>
+            </a:custGeom>
+            <a:solidFill>
+              <a:schemeClr val="tx2">
+                <a:alpha val="20000"/>
+              </a:schemeClr>
+            </a:solidFill>
+            <a:ln>
+              <a:noFill/>
+            </a:ln>
+          </p:spPr>
+        </p:sp>
+        <p:sp>
+          <p:nvSpPr>
+            <p:cNvPr id="19" name="Freeform 13"/>
+            <p:cNvSpPr/>
+            <p:nvPr>
+              <p:extLst>
+                <p:ext uri="{386F3935-93C4-4BCD-93E2-E3B085C9AB24}">
+                  <p16:designElem xmlns:p16="http://schemas.microsoft.com/office/powerpoint/2015/main" val="1"/>
+                </p:ext>
+              </p:extLst>
+            </p:nvPr>
+          </p:nvSpPr>
+          <p:spPr bwMode="auto">
+            <a:xfrm>
+              <a:off x="3175001" y="4730750"/>
+              <a:ext cx="519113" cy="1209675"/>
+            </a:xfrm>
+            <a:custGeom>
+              <a:avLst/>
+              <a:gdLst/>
+              <a:ahLst/>
+              <a:cxnLst/>
+              <a:rect l="0" t="0" r="r" b="b"/>
+              <a:pathLst>
+                <a:path w="132" h="308">
+                  <a:moveTo>
+                    <a:pt x="8" y="22"/>
+                  </a:moveTo>
+                  <a:cubicBezTo>
+                    <a:pt x="5" y="15"/>
+                    <a:pt x="2" y="8"/>
+                    <a:pt x="0" y="0"/>
+                  </a:cubicBezTo>
+                  <a:cubicBezTo>
+                    <a:pt x="0" y="10"/>
+                    <a:pt x="0" y="19"/>
+                    <a:pt x="0" y="29"/>
+                  </a:cubicBezTo>
+                  <a:cubicBezTo>
+                    <a:pt x="21" y="85"/>
+                    <a:pt x="44" y="140"/>
+                    <a:pt x="68" y="194"/>
+                  </a:cubicBezTo>
+                  <a:cubicBezTo>
+                    <a:pt x="85" y="232"/>
+                    <a:pt x="104" y="270"/>
+                    <a:pt x="123" y="308"/>
+                  </a:cubicBezTo>
+                  <a:cubicBezTo>
+                    <a:pt x="132" y="308"/>
+                    <a:pt x="132" y="308"/>
+                    <a:pt x="132" y="308"/>
+                  </a:cubicBezTo>
+                  <a:cubicBezTo>
+                    <a:pt x="113" y="269"/>
+                    <a:pt x="94" y="230"/>
+                    <a:pt x="77" y="190"/>
+                  </a:cubicBezTo>
+                  <a:cubicBezTo>
+                    <a:pt x="52" y="135"/>
+                    <a:pt x="29" y="79"/>
+                    <a:pt x="8" y="22"/>
+                  </a:cubicBezTo>
+                  <a:close/>
+                </a:path>
+              </a:pathLst>
+            </a:custGeom>
+            <a:solidFill>
+              <a:schemeClr val="tx2">
+                <a:alpha val="20000"/>
+              </a:schemeClr>
+            </a:solidFill>
+            <a:ln>
+              <a:noFill/>
+            </a:ln>
+          </p:spPr>
+        </p:sp>
+        <p:sp>
+          <p:nvSpPr>
+            <p:cNvPr id="20" name="Freeform 14"/>
+            <p:cNvSpPr/>
+            <p:nvPr>
+              <p:extLst>
+                <p:ext uri="{386F3935-93C4-4BCD-93E2-E3B085C9AB24}">
+                  <p16:designElem xmlns:p16="http://schemas.microsoft.com/office/powerpoint/2015/main" val="1"/>
+                </p:ext>
+              </p:extLst>
+            </p:nvPr>
+          </p:nvSpPr>
+          <p:spPr bwMode="auto">
+            <a:xfrm>
+              <a:off x="3305176" y="5630863"/>
+              <a:ext cx="146050" cy="309563"/>
+            </a:xfrm>
+            <a:custGeom>
+              <a:avLst/>
+              <a:gdLst/>
+              <a:ahLst/>
+              <a:cxnLst/>
+              <a:rect l="0" t="0" r="r" b="b"/>
+              <a:pathLst>
+                <a:path w="37" h="79">
+                  <a:moveTo>
+                    <a:pt x="28" y="79"/>
+                  </a:moveTo>
+                  <a:cubicBezTo>
+                    <a:pt x="37" y="79"/>
+                    <a:pt x="37" y="79"/>
+                    <a:pt x="37" y="79"/>
+                  </a:cubicBezTo>
+                  <a:cubicBezTo>
+                    <a:pt x="24" y="53"/>
+                    <a:pt x="12" y="27"/>
+                    <a:pt x="0" y="0"/>
+                  </a:cubicBezTo>
+                  <a:cubicBezTo>
+                    <a:pt x="8" y="27"/>
+                    <a:pt x="17" y="53"/>
+                    <a:pt x="28" y="79"/>
+                  </a:cubicBezTo>
+                  <a:close/>
+                </a:path>
+              </a:pathLst>
+            </a:custGeom>
+            <a:solidFill>
+              <a:schemeClr val="tx2">
+                <a:alpha val="20000"/>
+              </a:schemeClr>
+            </a:solidFill>
+            <a:ln>
+              <a:noFill/>
+            </a:ln>
+          </p:spPr>
+        </p:sp>
+        <p:sp>
+          <p:nvSpPr>
+            <p:cNvPr id="21" name="Freeform 15"/>
+            <p:cNvSpPr/>
+            <p:nvPr>
+              <p:extLst>
+                <p:ext uri="{386F3935-93C4-4BCD-93E2-E3B085C9AB24}">
+                  <p16:designElem xmlns:p16="http://schemas.microsoft.com/office/powerpoint/2015/main" val="1"/>
+                </p:ext>
+              </p:extLst>
+            </p:nvPr>
+          </p:nvSpPr>
+          <p:spPr bwMode="auto">
+            <a:xfrm>
+              <a:off x="2573338" y="2817813"/>
+              <a:ext cx="700088" cy="2835275"/>
+            </a:xfrm>
+            <a:custGeom>
+              <a:avLst/>
+              <a:gdLst/>
+              <a:ahLst/>
+              <a:cxnLst/>
+              <a:rect l="0" t="0" r="r" b="b"/>
+              <a:pathLst>
+                <a:path w="178" h="722">
+                  <a:moveTo>
+                    <a:pt x="162" y="660"/>
+                  </a:moveTo>
+                  <a:cubicBezTo>
+                    <a:pt x="145" y="618"/>
+                    <a:pt x="130" y="576"/>
+                    <a:pt x="116" y="534"/>
+                  </a:cubicBezTo>
+                  <a:cubicBezTo>
+                    <a:pt x="84" y="437"/>
+                    <a:pt x="59" y="337"/>
+                    <a:pt x="40" y="236"/>
+                  </a:cubicBezTo>
+                  <a:cubicBezTo>
+                    <a:pt x="29" y="175"/>
+                    <a:pt x="20" y="113"/>
+                    <a:pt x="12" y="51"/>
+                  </a:cubicBezTo>
+                  <a:cubicBezTo>
+                    <a:pt x="8" y="34"/>
+                    <a:pt x="4" y="17"/>
+                    <a:pt x="0" y="0"/>
+                  </a:cubicBezTo>
+                  <a:cubicBezTo>
+                    <a:pt x="8" y="79"/>
+                    <a:pt x="19" y="159"/>
+                    <a:pt x="33" y="237"/>
+                  </a:cubicBezTo>
+                  <a:cubicBezTo>
+                    <a:pt x="51" y="339"/>
+                    <a:pt x="76" y="439"/>
+                    <a:pt x="107" y="537"/>
+                  </a:cubicBezTo>
+                  <a:cubicBezTo>
+                    <a:pt x="123" y="586"/>
+                    <a:pt x="141" y="634"/>
+                    <a:pt x="160" y="681"/>
+                  </a:cubicBezTo>
+                  <a:cubicBezTo>
+                    <a:pt x="166" y="695"/>
+                    <a:pt x="172" y="708"/>
+                    <a:pt x="178" y="722"/>
+                  </a:cubicBezTo>
+                  <a:cubicBezTo>
+                    <a:pt x="176" y="717"/>
+                    <a:pt x="175" y="713"/>
+                    <a:pt x="174" y="708"/>
+                  </a:cubicBezTo>
+                  <a:cubicBezTo>
+                    <a:pt x="169" y="692"/>
+                    <a:pt x="165" y="676"/>
+                    <a:pt x="162" y="660"/>
+                  </a:cubicBezTo>
+                  <a:close/>
+                </a:path>
+              </a:pathLst>
+            </a:custGeom>
+            <a:solidFill>
+              <a:schemeClr val="tx2">
+                <a:alpha val="20000"/>
+              </a:schemeClr>
+            </a:solidFill>
+            <a:ln>
+              <a:noFill/>
+            </a:ln>
+          </p:spPr>
+        </p:sp>
+        <p:sp>
+          <p:nvSpPr>
+            <p:cNvPr id="22" name="Freeform 16"/>
+            <p:cNvSpPr/>
+            <p:nvPr>
+              <p:extLst>
+                <p:ext uri="{386F3935-93C4-4BCD-93E2-E3B085C9AB24}">
+                  <p16:designElem xmlns:p16="http://schemas.microsoft.com/office/powerpoint/2015/main" val="1"/>
+                </p:ext>
+              </p:extLst>
+            </p:nvPr>
+          </p:nvSpPr>
+          <p:spPr bwMode="auto">
+            <a:xfrm>
+              <a:off x="2506663" y="285750"/>
+              <a:ext cx="90488" cy="2493963"/>
+            </a:xfrm>
+            <a:custGeom>
+              <a:avLst/>
+              <a:gdLst/>
+              <a:ahLst/>
+              <a:cxnLst/>
+              <a:rect l="0" t="0" r="r" b="b"/>
+              <a:pathLst>
+                <a:path w="23" h="635">
+                  <a:moveTo>
+                    <a:pt x="11" y="577"/>
+                  </a:moveTo>
+                  <a:cubicBezTo>
+                    <a:pt x="12" y="581"/>
+                    <a:pt x="12" y="585"/>
+                    <a:pt x="12" y="589"/>
+                  </a:cubicBezTo>
+                  <a:cubicBezTo>
+                    <a:pt x="15" y="603"/>
+                    <a:pt x="19" y="617"/>
+                    <a:pt x="22" y="632"/>
+                  </a:cubicBezTo>
+                  <a:cubicBezTo>
+                    <a:pt x="22" y="633"/>
+                    <a:pt x="22" y="634"/>
+                    <a:pt x="23" y="635"/>
+                  </a:cubicBezTo>
+                  <a:cubicBezTo>
+                    <a:pt x="21" y="615"/>
+                    <a:pt x="19" y="596"/>
+                    <a:pt x="17" y="576"/>
+                  </a:cubicBezTo>
+                  <a:cubicBezTo>
+                    <a:pt x="9" y="474"/>
+                    <a:pt x="5" y="372"/>
+                    <a:pt x="5" y="269"/>
+                  </a:cubicBezTo>
+                  <a:cubicBezTo>
+                    <a:pt x="6" y="179"/>
+                    <a:pt x="9" y="90"/>
+                    <a:pt x="15" y="0"/>
+                  </a:cubicBezTo>
+                  <a:cubicBezTo>
+                    <a:pt x="12" y="0"/>
+                    <a:pt x="12" y="0"/>
+                    <a:pt x="12" y="0"/>
+                  </a:cubicBezTo>
+                  <a:cubicBezTo>
+                    <a:pt x="5" y="89"/>
+                    <a:pt x="2" y="179"/>
+                    <a:pt x="1" y="269"/>
+                  </a:cubicBezTo>
+                  <a:cubicBezTo>
+                    <a:pt x="0" y="372"/>
+                    <a:pt x="3" y="474"/>
+                    <a:pt x="11" y="577"/>
+                  </a:cubicBezTo>
+                  <a:close/>
+                </a:path>
+              </a:pathLst>
+            </a:custGeom>
+            <a:solidFill>
+              <a:schemeClr val="tx2">
+                <a:alpha val="20000"/>
+              </a:schemeClr>
+            </a:solidFill>
+            <a:ln>
+              <a:noFill/>
+            </a:ln>
+          </p:spPr>
+        </p:sp>
+        <p:sp>
+          <p:nvSpPr>
+            <p:cNvPr id="23" name="Freeform 17"/>
+            <p:cNvSpPr/>
+            <p:nvPr>
+              <p:extLst>
+                <p:ext uri="{386F3935-93C4-4BCD-93E2-E3B085C9AB24}">
+                  <p16:designElem xmlns:p16="http://schemas.microsoft.com/office/powerpoint/2015/main" val="1"/>
+                </p:ext>
+              </p:extLst>
+            </p:nvPr>
+          </p:nvSpPr>
+          <p:spPr bwMode="auto">
+            <a:xfrm>
+              <a:off x="2554288" y="2598738"/>
+              <a:ext cx="66675" cy="420688"/>
+            </a:xfrm>
+            <a:custGeom>
+              <a:avLst/>
+              <a:gdLst/>
+              <a:ahLst/>
+              <a:cxnLst/>
+              <a:rect l="0" t="0" r="r" b="b"/>
+              <a:pathLst>
+                <a:path w="17" h="107">
+                  <a:moveTo>
+                    <a:pt x="0" y="0"/>
+                  </a:moveTo>
+                  <a:cubicBezTo>
+                    <a:pt x="2" y="19"/>
+                    <a:pt x="3" y="37"/>
+                    <a:pt x="5" y="56"/>
+                  </a:cubicBezTo>
+                  <a:cubicBezTo>
+                    <a:pt x="9" y="73"/>
+                    <a:pt x="13" y="90"/>
+                    <a:pt x="17" y="107"/>
+                  </a:cubicBezTo>
+                  <a:cubicBezTo>
+                    <a:pt x="15" y="87"/>
+                    <a:pt x="13" y="66"/>
+                    <a:pt x="11" y="46"/>
+                  </a:cubicBezTo>
+                  <a:cubicBezTo>
+                    <a:pt x="10" y="45"/>
+                    <a:pt x="10" y="44"/>
+                    <a:pt x="10" y="43"/>
+                  </a:cubicBezTo>
+                  <a:cubicBezTo>
+                    <a:pt x="7" y="28"/>
+                    <a:pt x="3" y="14"/>
+                    <a:pt x="0" y="0"/>
+                  </a:cubicBezTo>
+                  <a:close/>
+                </a:path>
+              </a:pathLst>
+            </a:custGeom>
+            <a:solidFill>
+              <a:schemeClr val="tx2">
+                <a:alpha val="20000"/>
+              </a:schemeClr>
+            </a:solidFill>
+            <a:ln>
+              <a:noFill/>
+            </a:ln>
+          </p:spPr>
+        </p:sp>
+        <p:sp>
+          <p:nvSpPr>
+            <p:cNvPr id="24" name="Freeform 18"/>
+            <p:cNvSpPr/>
+            <p:nvPr>
+              <p:extLst>
+                <p:ext uri="{386F3935-93C4-4BCD-93E2-E3B085C9AB24}">
+                  <p16:designElem xmlns:p16="http://schemas.microsoft.com/office/powerpoint/2015/main" val="1"/>
+                </p:ext>
+              </p:extLst>
+            </p:nvPr>
+          </p:nvSpPr>
+          <p:spPr bwMode="auto">
+            <a:xfrm>
+              <a:off x="3143251" y="4757738"/>
+              <a:ext cx="161925" cy="873125"/>
+            </a:xfrm>
+            <a:custGeom>
+              <a:avLst/>
+              <a:gdLst/>
+              <a:ahLst/>
+              <a:cxnLst/>
+              <a:rect l="0" t="0" r="r" b="b"/>
+              <a:pathLst>
+                <a:path w="41" h="222">
+                  <a:moveTo>
+                    <a:pt x="0" y="0"/>
+                  </a:moveTo>
+                  <a:cubicBezTo>
+                    <a:pt x="0" y="31"/>
+                    <a:pt x="2" y="62"/>
+                    <a:pt x="5" y="93"/>
+                  </a:cubicBezTo>
+                  <a:cubicBezTo>
+                    <a:pt x="8" y="117"/>
+                    <a:pt x="12" y="142"/>
+                    <a:pt x="17" y="166"/>
+                  </a:cubicBezTo>
+                  <a:cubicBezTo>
+                    <a:pt x="19" y="172"/>
+                    <a:pt x="22" y="178"/>
+                    <a:pt x="24" y="184"/>
+                  </a:cubicBezTo>
+                  <a:cubicBezTo>
+                    <a:pt x="30" y="197"/>
+                    <a:pt x="35" y="209"/>
+                    <a:pt x="41" y="222"/>
+                  </a:cubicBezTo>
+                  <a:cubicBezTo>
+                    <a:pt x="40" y="219"/>
+                    <a:pt x="39" y="215"/>
+                    <a:pt x="38" y="212"/>
+                  </a:cubicBezTo>
+                  <a:cubicBezTo>
+                    <a:pt x="26" y="172"/>
+                    <a:pt x="18" y="132"/>
+                    <a:pt x="13" y="92"/>
+                  </a:cubicBezTo>
+                  <a:cubicBezTo>
+                    <a:pt x="11" y="68"/>
+                    <a:pt x="9" y="45"/>
+                    <a:pt x="8" y="22"/>
+                  </a:cubicBezTo>
+                  <a:cubicBezTo>
+                    <a:pt x="8" y="21"/>
+                    <a:pt x="7" y="20"/>
+                    <a:pt x="7" y="18"/>
+                  </a:cubicBezTo>
+                  <a:cubicBezTo>
+                    <a:pt x="5" y="12"/>
+                    <a:pt x="2" y="6"/>
+                    <a:pt x="0" y="0"/>
+                  </a:cubicBezTo>
+                  <a:close/>
+                </a:path>
+              </a:pathLst>
+            </a:custGeom>
+            <a:solidFill>
+              <a:schemeClr val="tx2">
+                <a:alpha val="20000"/>
+              </a:schemeClr>
+            </a:solidFill>
+            <a:ln>
+              <a:noFill/>
+            </a:ln>
+          </p:spPr>
+        </p:sp>
+        <p:sp>
+          <p:nvSpPr>
+            <p:cNvPr id="25" name="Freeform 19"/>
+            <p:cNvSpPr/>
+            <p:nvPr>
+              <p:extLst>
+                <p:ext uri="{386F3935-93C4-4BCD-93E2-E3B085C9AB24}">
+                  <p16:designElem xmlns:p16="http://schemas.microsoft.com/office/powerpoint/2015/main" val="1"/>
+                </p:ext>
+              </p:extLst>
+            </p:nvPr>
+          </p:nvSpPr>
+          <p:spPr bwMode="auto">
+            <a:xfrm>
+              <a:off x="3148013" y="1282700"/>
+              <a:ext cx="1768475" cy="3448050"/>
+            </a:xfrm>
+            <a:custGeom>
+              <a:avLst/>
+              <a:gdLst/>
+              <a:ahLst/>
+              <a:cxnLst/>
+              <a:rect l="0" t="0" r="r" b="b"/>
+              <a:pathLst>
+                <a:path w="450" h="878">
+                  <a:moveTo>
+                    <a:pt x="7" y="854"/>
+                  </a:moveTo>
+                  <a:cubicBezTo>
+                    <a:pt x="10" y="772"/>
+                    <a:pt x="26" y="691"/>
+                    <a:pt x="50" y="613"/>
+                  </a:cubicBezTo>
+                  <a:cubicBezTo>
+                    <a:pt x="75" y="535"/>
+                    <a:pt x="109" y="460"/>
+                    <a:pt x="149" y="388"/>
+                  </a:cubicBezTo>
+                  <a:cubicBezTo>
+                    <a:pt x="189" y="316"/>
+                    <a:pt x="235" y="248"/>
+                    <a:pt x="285" y="183"/>
+                  </a:cubicBezTo>
+                  <a:cubicBezTo>
+                    <a:pt x="310" y="151"/>
+                    <a:pt x="337" y="119"/>
+                    <a:pt x="364" y="89"/>
+                  </a:cubicBezTo>
+                  <a:cubicBezTo>
+                    <a:pt x="378" y="74"/>
+                    <a:pt x="392" y="58"/>
+                    <a:pt x="406" y="44"/>
+                  </a:cubicBezTo>
+                  <a:cubicBezTo>
+                    <a:pt x="421" y="29"/>
+                    <a:pt x="435" y="15"/>
+                    <a:pt x="450" y="1"/>
+                  </a:cubicBezTo>
+                  <a:cubicBezTo>
+                    <a:pt x="450" y="0"/>
+                    <a:pt x="450" y="0"/>
+                    <a:pt x="450" y="0"/>
+                  </a:cubicBezTo>
+                  <a:cubicBezTo>
+                    <a:pt x="434" y="14"/>
+                    <a:pt x="420" y="28"/>
+                    <a:pt x="405" y="43"/>
+                  </a:cubicBezTo>
+                  <a:cubicBezTo>
+                    <a:pt x="391" y="57"/>
+                    <a:pt x="377" y="72"/>
+                    <a:pt x="363" y="88"/>
+                  </a:cubicBezTo>
+                  <a:cubicBezTo>
+                    <a:pt x="335" y="118"/>
+                    <a:pt x="308" y="149"/>
+                    <a:pt x="283" y="181"/>
+                  </a:cubicBezTo>
+                  <a:cubicBezTo>
+                    <a:pt x="232" y="246"/>
+                    <a:pt x="185" y="314"/>
+                    <a:pt x="145" y="386"/>
+                  </a:cubicBezTo>
+                  <a:cubicBezTo>
+                    <a:pt x="104" y="457"/>
+                    <a:pt x="70" y="533"/>
+                    <a:pt x="45" y="611"/>
+                  </a:cubicBezTo>
+                  <a:cubicBezTo>
+                    <a:pt x="19" y="690"/>
+                    <a:pt x="3" y="771"/>
+                    <a:pt x="0" y="854"/>
+                  </a:cubicBezTo>
+                  <a:cubicBezTo>
+                    <a:pt x="0" y="856"/>
+                    <a:pt x="0" y="857"/>
+                    <a:pt x="0" y="859"/>
+                  </a:cubicBezTo>
+                  <a:cubicBezTo>
+                    <a:pt x="2" y="865"/>
+                    <a:pt x="4" y="872"/>
+                    <a:pt x="7" y="878"/>
+                  </a:cubicBezTo>
+                  <a:cubicBezTo>
+                    <a:pt x="7" y="870"/>
+                    <a:pt x="7" y="862"/>
+                    <a:pt x="7" y="854"/>
+                  </a:cubicBezTo>
+                  <a:close/>
+                </a:path>
+              </a:pathLst>
+            </a:custGeom>
+            <a:solidFill>
+              <a:schemeClr val="tx2">
+                <a:alpha val="20000"/>
+              </a:schemeClr>
+            </a:solidFill>
+            <a:ln>
+              <a:noFill/>
+            </a:ln>
+          </p:spPr>
+        </p:sp>
+        <p:sp>
+          <p:nvSpPr>
+            <p:cNvPr id="26" name="Freeform 20"/>
+            <p:cNvSpPr/>
+            <p:nvPr>
+              <p:extLst>
+                <p:ext uri="{386F3935-93C4-4BCD-93E2-E3B085C9AB24}">
+                  <p16:designElem xmlns:p16="http://schemas.microsoft.com/office/powerpoint/2015/main" val="1"/>
+                </p:ext>
+              </p:extLst>
+            </p:nvPr>
+          </p:nvSpPr>
+          <p:spPr bwMode="auto">
+            <a:xfrm>
+              <a:off x="3273426" y="5653088"/>
+              <a:ext cx="138113" cy="287338"/>
+            </a:xfrm>
+            <a:custGeom>
+              <a:avLst/>
+              <a:gdLst/>
+              <a:ahLst/>
+              <a:cxnLst/>
+              <a:rect l="0" t="0" r="r" b="b"/>
+              <a:pathLst>
+                <a:path w="35" h="73">
+                  <a:moveTo>
+                    <a:pt x="0" y="0"/>
+                  </a:moveTo>
+                  <a:cubicBezTo>
+                    <a:pt x="7" y="24"/>
+                    <a:pt x="16" y="49"/>
+                    <a:pt x="26" y="73"/>
+                  </a:cubicBezTo>
+                  <a:cubicBezTo>
+                    <a:pt x="35" y="73"/>
+                    <a:pt x="35" y="73"/>
+                    <a:pt x="35" y="73"/>
+                  </a:cubicBezTo>
+                  <a:cubicBezTo>
+                    <a:pt x="23" y="49"/>
+                    <a:pt x="11" y="24"/>
+                    <a:pt x="0" y="0"/>
+                  </a:cubicBezTo>
+                  <a:close/>
+                </a:path>
+              </a:pathLst>
+            </a:custGeom>
+            <a:solidFill>
+              <a:schemeClr val="tx2">
+                <a:alpha val="20000"/>
+              </a:schemeClr>
+            </a:solidFill>
+            <a:ln>
+              <a:noFill/>
+            </a:ln>
+          </p:spPr>
+        </p:sp>
+        <p:sp>
+          <p:nvSpPr>
+            <p:cNvPr id="27" name="Freeform 21"/>
+            <p:cNvSpPr/>
+            <p:nvPr>
+              <p:extLst>
+                <p:ext uri="{386F3935-93C4-4BCD-93E2-E3B085C9AB24}">
+                  <p16:designElem xmlns:p16="http://schemas.microsoft.com/office/powerpoint/2015/main" val="1"/>
+                </p:ext>
+              </p:extLst>
+            </p:nvPr>
+          </p:nvSpPr>
+          <p:spPr bwMode="auto">
+            <a:xfrm>
+              <a:off x="3143251" y="4656138"/>
+              <a:ext cx="31750" cy="188913"/>
+            </a:xfrm>
+            <a:custGeom>
+              <a:avLst/>
+              <a:gdLst/>
+              <a:ahLst/>
+              <a:cxnLst/>
+              <a:rect l="0" t="0" r="r" b="b"/>
+              <a:pathLst>
+                <a:path w="8" h="48">
+                  <a:moveTo>
+                    <a:pt x="7" y="44"/>
+                  </a:moveTo>
+                  <a:cubicBezTo>
+                    <a:pt x="7" y="46"/>
+                    <a:pt x="8" y="47"/>
+                    <a:pt x="8" y="48"/>
+                  </a:cubicBezTo>
+                  <a:cubicBezTo>
+                    <a:pt x="8" y="38"/>
+                    <a:pt x="8" y="29"/>
+                    <a:pt x="8" y="19"/>
+                  </a:cubicBezTo>
+                  <a:cubicBezTo>
+                    <a:pt x="5" y="13"/>
+                    <a:pt x="3" y="6"/>
+                    <a:pt x="1" y="0"/>
+                  </a:cubicBezTo>
+                  <a:cubicBezTo>
+                    <a:pt x="0" y="9"/>
+                    <a:pt x="0" y="17"/>
+                    <a:pt x="0" y="26"/>
+                  </a:cubicBezTo>
+                  <a:cubicBezTo>
+                    <a:pt x="2" y="32"/>
+                    <a:pt x="5" y="38"/>
+                    <a:pt x="7" y="44"/>
+                  </a:cubicBezTo>
+                  <a:close/>
+                </a:path>
+              </a:pathLst>
+            </a:custGeom>
+            <a:solidFill>
+              <a:schemeClr val="tx2">
+                <a:alpha val="20000"/>
+              </a:schemeClr>
+            </a:solidFill>
+            <a:ln>
+              <a:noFill/>
+            </a:ln>
+          </p:spPr>
+        </p:sp>
+        <p:sp>
+          <p:nvSpPr>
+            <p:cNvPr id="28" name="Freeform 22"/>
+            <p:cNvSpPr/>
+            <p:nvPr>
+              <p:extLst>
+                <p:ext uri="{386F3935-93C4-4BCD-93E2-E3B085C9AB24}">
+                  <p16:designElem xmlns:p16="http://schemas.microsoft.com/office/powerpoint/2015/main" val="1"/>
+                </p:ext>
+              </p:extLst>
+            </p:nvPr>
+          </p:nvSpPr>
+          <p:spPr bwMode="auto">
+            <a:xfrm>
+              <a:off x="3211513" y="5410200"/>
+              <a:ext cx="203200" cy="530225"/>
+            </a:xfrm>
+            <a:custGeom>
+              <a:avLst/>
+              <a:gdLst/>
+              <a:ahLst/>
+              <a:cxnLst/>
+              <a:rect l="0" t="0" r="r" b="b"/>
+              <a:pathLst>
+                <a:path w="52" h="135">
+                  <a:moveTo>
+                    <a:pt x="7" y="18"/>
+                  </a:moveTo>
+                  <a:cubicBezTo>
+                    <a:pt x="5" y="12"/>
+                    <a:pt x="2" y="6"/>
+                    <a:pt x="0" y="0"/>
+                  </a:cubicBezTo>
+                  <a:cubicBezTo>
+                    <a:pt x="3" y="16"/>
+                    <a:pt x="7" y="32"/>
+                    <a:pt x="12" y="48"/>
+                  </a:cubicBezTo>
+                  <a:cubicBezTo>
+                    <a:pt x="13" y="53"/>
+                    <a:pt x="14" y="57"/>
+                    <a:pt x="16" y="62"/>
+                  </a:cubicBezTo>
+                  <a:cubicBezTo>
+                    <a:pt x="27" y="86"/>
+                    <a:pt x="39" y="111"/>
+                    <a:pt x="51" y="135"/>
+                  </a:cubicBezTo>
+                  <a:cubicBezTo>
+                    <a:pt x="52" y="135"/>
+                    <a:pt x="52" y="135"/>
+                    <a:pt x="52" y="135"/>
+                  </a:cubicBezTo>
+                  <a:cubicBezTo>
+                    <a:pt x="41" y="109"/>
+                    <a:pt x="32" y="83"/>
+                    <a:pt x="24" y="56"/>
+                  </a:cubicBezTo>
+                  <a:cubicBezTo>
+                    <a:pt x="18" y="43"/>
+                    <a:pt x="13" y="31"/>
+                    <a:pt x="7" y="18"/>
+                  </a:cubicBezTo>
+                  <a:close/>
+                </a:path>
+              </a:pathLst>
+            </a:custGeom>
+            <a:solidFill>
+              <a:schemeClr val="tx2">
+                <a:alpha val="20000"/>
+              </a:schemeClr>
+            </a:solidFill>
+            <a:ln>
+              <a:noFill/>
+            </a:ln>
+          </p:spPr>
+        </p:sp>
+      </p:grpSp>
+      <p:grpSp>
+        <p:nvGrpSpPr>
+          <p:cNvPr id="29" name="Group 28"/>
+          <p:cNvGrpSpPr>
+            <a:grpSpLocks noGrp="1" noUngrp="1" noRot="1" noChangeAspect="1" noMove="1" noResize="1"/>
+          </p:cNvGrpSpPr>
+          <p:nvPr>
+            <p:extLst>
+              <p:ext uri="{386F3935-93C4-4BCD-93E2-E3B085C9AB24}">
+                <p16:designElem xmlns:p16="http://schemas.microsoft.com/office/powerpoint/2015/main" val="1"/>
+              </p:ext>
+            </p:extLst>
+          </p:nvPr>
+        </p:nvGrpSpPr>
+        <p:grpSpPr>
+          <a:xfrm>
+            <a:off x="4677117" y="-786"/>
+            <a:ext cx="2356675" cy="6854040"/>
+            <a:chOff x="6627813" y="194833"/>
+            <a:chExt cx="1952625" cy="5678918"/>
+          </a:xfrm>
+        </p:grpSpPr>
+        <p:sp>
+          <p:nvSpPr>
+            <p:cNvPr id="30" name="Freeform 27"/>
+            <p:cNvSpPr/>
+            <p:nvPr>
+              <p:extLst>
+                <p:ext uri="{386F3935-93C4-4BCD-93E2-E3B085C9AB24}">
+                  <p16:designElem xmlns:p16="http://schemas.microsoft.com/office/powerpoint/2015/main" val="1"/>
+                </p:ext>
+              </p:extLst>
+            </p:nvPr>
+          </p:nvSpPr>
+          <p:spPr bwMode="auto">
+            <a:xfrm>
+              <a:off x="6627813" y="194833"/>
+              <a:ext cx="409575" cy="3646488"/>
+            </a:xfrm>
+            <a:custGeom>
+              <a:avLst/>
+              <a:gdLst/>
+              <a:ahLst/>
+              <a:cxnLst/>
+              <a:rect l="0" t="0" r="r" b="b"/>
+              <a:pathLst>
+                <a:path w="103" h="920">
+                  <a:moveTo>
+                    <a:pt x="7" y="210"/>
+                  </a:moveTo>
+                  <a:cubicBezTo>
+                    <a:pt x="11" y="288"/>
+                    <a:pt x="17" y="367"/>
+                    <a:pt x="26" y="445"/>
+                  </a:cubicBezTo>
+                  <a:cubicBezTo>
+                    <a:pt x="34" y="523"/>
+                    <a:pt x="44" y="601"/>
+                    <a:pt x="57" y="679"/>
+                  </a:cubicBezTo>
+                  <a:cubicBezTo>
+                    <a:pt x="69" y="757"/>
+                    <a:pt x="84" y="834"/>
+                    <a:pt x="101" y="911"/>
+                  </a:cubicBezTo>
+                  <a:cubicBezTo>
+                    <a:pt x="102" y="914"/>
+                    <a:pt x="103" y="917"/>
+                    <a:pt x="103" y="920"/>
+                  </a:cubicBezTo>
+                  <a:cubicBezTo>
+                    <a:pt x="102" y="905"/>
+                    <a:pt x="100" y="889"/>
+                    <a:pt x="99" y="874"/>
+                  </a:cubicBezTo>
+                  <a:cubicBezTo>
+                    <a:pt x="99" y="871"/>
+                    <a:pt x="99" y="868"/>
+                    <a:pt x="99" y="866"/>
+                  </a:cubicBezTo>
+                  <a:cubicBezTo>
+                    <a:pt x="85" y="803"/>
+                    <a:pt x="73" y="741"/>
+                    <a:pt x="63" y="678"/>
+                  </a:cubicBezTo>
+                  <a:cubicBezTo>
+                    <a:pt x="50" y="600"/>
+                    <a:pt x="39" y="523"/>
+                    <a:pt x="30" y="444"/>
+                  </a:cubicBezTo>
+                  <a:cubicBezTo>
+                    <a:pt x="21" y="366"/>
+                    <a:pt x="14" y="288"/>
+                    <a:pt x="9" y="209"/>
+                  </a:cubicBezTo>
+                  <a:cubicBezTo>
+                    <a:pt x="7" y="170"/>
+                    <a:pt x="5" y="131"/>
+                    <a:pt x="3" y="92"/>
+                  </a:cubicBezTo>
+                  <a:cubicBezTo>
+                    <a:pt x="2" y="61"/>
+                    <a:pt x="1" y="31"/>
+                    <a:pt x="1" y="0"/>
+                  </a:cubicBezTo>
+                  <a:cubicBezTo>
+                    <a:pt x="0" y="0"/>
+                    <a:pt x="0" y="0"/>
+                    <a:pt x="0" y="0"/>
+                  </a:cubicBezTo>
+                  <a:cubicBezTo>
+                    <a:pt x="0" y="31"/>
+                    <a:pt x="1" y="61"/>
+                    <a:pt x="1" y="92"/>
+                  </a:cubicBezTo>
+                  <a:cubicBezTo>
+                    <a:pt x="3" y="131"/>
+                    <a:pt x="4" y="170"/>
+                    <a:pt x="7" y="210"/>
+                  </a:cubicBezTo>
+                  <a:close/>
+                </a:path>
+              </a:pathLst>
+            </a:custGeom>
+            <a:solidFill>
+              <a:schemeClr val="tx2"/>
+            </a:solidFill>
+            <a:ln>
+              <a:noFill/>
+            </a:ln>
+          </p:spPr>
+        </p:sp>
+        <p:sp>
+          <p:nvSpPr>
+            <p:cNvPr id="31" name="Freeform 28"/>
+            <p:cNvSpPr/>
+            <p:nvPr>
+              <p:extLst>
+                <p:ext uri="{386F3935-93C4-4BCD-93E2-E3B085C9AB24}">
+                  <p16:designElem xmlns:p16="http://schemas.microsoft.com/office/powerpoint/2015/main" val="1"/>
+                </p:ext>
+              </p:extLst>
+            </p:nvPr>
+          </p:nvSpPr>
+          <p:spPr bwMode="auto">
+            <a:xfrm>
+              <a:off x="7061201" y="3771900"/>
+              <a:ext cx="350838" cy="1309688"/>
+            </a:xfrm>
+            <a:custGeom>
+              <a:avLst/>
+              <a:gdLst/>
+              <a:ahLst/>
+              <a:cxnLst/>
+              <a:rect l="0" t="0" r="r" b="b"/>
+              <a:pathLst>
+                <a:path w="88" h="330">
+                  <a:moveTo>
+                    <a:pt x="53" y="229"/>
+                  </a:moveTo>
+                  <a:cubicBezTo>
+                    <a:pt x="64" y="263"/>
+                    <a:pt x="75" y="297"/>
+                    <a:pt x="88" y="330"/>
+                  </a:cubicBezTo>
+                  <a:cubicBezTo>
+                    <a:pt x="88" y="323"/>
+                    <a:pt x="88" y="315"/>
+                    <a:pt x="88" y="308"/>
+                  </a:cubicBezTo>
+                  <a:cubicBezTo>
+                    <a:pt x="88" y="307"/>
+                    <a:pt x="88" y="305"/>
+                    <a:pt x="88" y="304"/>
+                  </a:cubicBezTo>
+                  <a:cubicBezTo>
+                    <a:pt x="79" y="278"/>
+                    <a:pt x="70" y="252"/>
+                    <a:pt x="62" y="226"/>
+                  </a:cubicBezTo>
+                  <a:cubicBezTo>
+                    <a:pt x="38" y="152"/>
+                    <a:pt x="17" y="76"/>
+                    <a:pt x="0" y="0"/>
+                  </a:cubicBezTo>
+                  <a:cubicBezTo>
+                    <a:pt x="2" y="21"/>
+                    <a:pt x="4" y="42"/>
+                    <a:pt x="7" y="63"/>
+                  </a:cubicBezTo>
+                  <a:cubicBezTo>
+                    <a:pt x="21" y="119"/>
+                    <a:pt x="36" y="174"/>
+                    <a:pt x="53" y="229"/>
+                  </a:cubicBezTo>
+                  <a:close/>
+                </a:path>
+              </a:pathLst>
+            </a:custGeom>
+            <a:solidFill>
+              <a:schemeClr val="tx2"/>
+            </a:solidFill>
+            <a:ln>
+              <a:noFill/>
+            </a:ln>
+          </p:spPr>
+        </p:sp>
+        <p:sp>
+          <p:nvSpPr>
+            <p:cNvPr id="32" name="Freeform 29"/>
+            <p:cNvSpPr/>
+            <p:nvPr>
+              <p:extLst>
+                <p:ext uri="{386F3935-93C4-4BCD-93E2-E3B085C9AB24}">
+                  <p16:designElem xmlns:p16="http://schemas.microsoft.com/office/powerpoint/2015/main" val="1"/>
+                </p:ext>
+              </p:extLst>
+            </p:nvPr>
+          </p:nvSpPr>
+          <p:spPr bwMode="auto">
+            <a:xfrm>
+              <a:off x="7439026" y="5053013"/>
+              <a:ext cx="357188" cy="820738"/>
+            </a:xfrm>
+            <a:custGeom>
+              <a:avLst/>
+              <a:gdLst/>
+              <a:ahLst/>
+              <a:cxnLst/>
+              <a:rect l="0" t="0" r="r" b="b"/>
+              <a:pathLst>
+                <a:path w="90" h="207">
+                  <a:moveTo>
+                    <a:pt x="6" y="15"/>
+                  </a:moveTo>
+                  <a:cubicBezTo>
+                    <a:pt x="4" y="10"/>
+                    <a:pt x="2" y="5"/>
+                    <a:pt x="0" y="0"/>
+                  </a:cubicBezTo>
+                  <a:cubicBezTo>
+                    <a:pt x="0" y="9"/>
+                    <a:pt x="0" y="19"/>
+                    <a:pt x="1" y="29"/>
+                  </a:cubicBezTo>
+                  <a:cubicBezTo>
+                    <a:pt x="14" y="62"/>
+                    <a:pt x="27" y="95"/>
+                    <a:pt x="42" y="127"/>
+                  </a:cubicBezTo>
+                  <a:cubicBezTo>
+                    <a:pt x="54" y="154"/>
+                    <a:pt x="67" y="181"/>
+                    <a:pt x="80" y="207"/>
+                  </a:cubicBezTo>
+                  <a:cubicBezTo>
+                    <a:pt x="90" y="207"/>
+                    <a:pt x="90" y="207"/>
+                    <a:pt x="90" y="207"/>
+                  </a:cubicBezTo>
+                  <a:cubicBezTo>
+                    <a:pt x="76" y="180"/>
+                    <a:pt x="63" y="152"/>
+                    <a:pt x="50" y="123"/>
+                  </a:cubicBezTo>
+                  <a:cubicBezTo>
+                    <a:pt x="34" y="88"/>
+                    <a:pt x="20" y="51"/>
+                    <a:pt x="6" y="15"/>
+                  </a:cubicBezTo>
+                  <a:close/>
+                </a:path>
+              </a:pathLst>
+            </a:custGeom>
+            <a:solidFill>
+              <a:schemeClr val="tx2"/>
+            </a:solidFill>
+            <a:ln>
+              <a:noFill/>
+            </a:ln>
+          </p:spPr>
+        </p:sp>
+        <p:sp>
+          <p:nvSpPr>
+            <p:cNvPr id="33" name="Freeform 30"/>
+            <p:cNvSpPr/>
+            <p:nvPr>
+              <p:extLst>
+                <p:ext uri="{386F3935-93C4-4BCD-93E2-E3B085C9AB24}">
+                  <p16:designElem xmlns:p16="http://schemas.microsoft.com/office/powerpoint/2015/main" val="1"/>
+                </p:ext>
+              </p:extLst>
+            </p:nvPr>
+          </p:nvSpPr>
+          <p:spPr bwMode="auto">
+            <a:xfrm>
+              <a:off x="7037388" y="3811588"/>
+              <a:ext cx="457200" cy="1852613"/>
+            </a:xfrm>
+            <a:custGeom>
+              <a:avLst/>
+              <a:gdLst/>
+              <a:ahLst/>
+              <a:cxnLst/>
+              <a:rect l="0" t="0" r="r" b="b"/>
+              <a:pathLst>
+                <a:path w="115" h="467">
+                  <a:moveTo>
+                    <a:pt x="101" y="409"/>
+                  </a:moveTo>
+                  <a:cubicBezTo>
+                    <a:pt x="93" y="388"/>
+                    <a:pt x="85" y="366"/>
+                    <a:pt x="78" y="344"/>
+                  </a:cubicBezTo>
+                  <a:cubicBezTo>
+                    <a:pt x="57" y="281"/>
+                    <a:pt x="41" y="216"/>
+                    <a:pt x="29" y="151"/>
+                  </a:cubicBezTo>
+                  <a:cubicBezTo>
+                    <a:pt x="22" y="119"/>
+                    <a:pt x="17" y="86"/>
+                    <a:pt x="13" y="53"/>
+                  </a:cubicBezTo>
+                  <a:cubicBezTo>
+                    <a:pt x="9" y="35"/>
+                    <a:pt x="4" y="18"/>
+                    <a:pt x="0" y="0"/>
+                  </a:cubicBezTo>
+                  <a:cubicBezTo>
+                    <a:pt x="5" y="51"/>
+                    <a:pt x="12" y="102"/>
+                    <a:pt x="21" y="152"/>
+                  </a:cubicBezTo>
+                  <a:cubicBezTo>
+                    <a:pt x="33" y="218"/>
+                    <a:pt x="49" y="283"/>
+                    <a:pt x="69" y="347"/>
+                  </a:cubicBezTo>
+                  <a:cubicBezTo>
+                    <a:pt x="79" y="378"/>
+                    <a:pt x="90" y="410"/>
+                    <a:pt x="103" y="441"/>
+                  </a:cubicBezTo>
+                  <a:cubicBezTo>
+                    <a:pt x="107" y="449"/>
+                    <a:pt x="111" y="458"/>
+                    <a:pt x="115" y="467"/>
+                  </a:cubicBezTo>
+                  <a:cubicBezTo>
+                    <a:pt x="114" y="464"/>
+                    <a:pt x="113" y="461"/>
+                    <a:pt x="112" y="458"/>
+                  </a:cubicBezTo>
+                  <a:cubicBezTo>
+                    <a:pt x="108" y="442"/>
+                    <a:pt x="104" y="425"/>
+                    <a:pt x="101" y="409"/>
+                  </a:cubicBezTo>
+                  <a:close/>
+                </a:path>
+              </a:pathLst>
+            </a:custGeom>
+            <a:solidFill>
+              <a:schemeClr val="tx2"/>
+            </a:solidFill>
+            <a:ln>
+              <a:noFill/>
+            </a:ln>
+          </p:spPr>
+        </p:sp>
+        <p:sp>
+          <p:nvSpPr>
+            <p:cNvPr id="34" name="Freeform 31"/>
+            <p:cNvSpPr/>
+            <p:nvPr>
+              <p:extLst>
+                <p:ext uri="{386F3935-93C4-4BCD-93E2-E3B085C9AB24}">
+                  <p16:designElem xmlns:p16="http://schemas.microsoft.com/office/powerpoint/2015/main" val="1"/>
+                </p:ext>
+              </p:extLst>
+            </p:nvPr>
+          </p:nvSpPr>
+          <p:spPr bwMode="auto">
+            <a:xfrm>
+              <a:off x="6992938" y="1263650"/>
+              <a:ext cx="144463" cy="2508250"/>
+            </a:xfrm>
+            <a:custGeom>
+              <a:avLst/>
+              <a:gdLst/>
+              <a:ahLst/>
+              <a:cxnLst/>
+              <a:rect l="0" t="0" r="r" b="b"/>
+              <a:pathLst>
+                <a:path w="36" h="633">
+                  <a:moveTo>
+                    <a:pt x="17" y="633"/>
+                  </a:moveTo>
+                  <a:cubicBezTo>
+                    <a:pt x="15" y="621"/>
+                    <a:pt x="14" y="609"/>
+                    <a:pt x="13" y="597"/>
+                  </a:cubicBezTo>
+                  <a:cubicBezTo>
+                    <a:pt x="8" y="530"/>
+                    <a:pt x="5" y="464"/>
+                    <a:pt x="5" y="398"/>
+                  </a:cubicBezTo>
+                  <a:cubicBezTo>
+                    <a:pt x="5" y="331"/>
+                    <a:pt x="8" y="265"/>
+                    <a:pt x="13" y="198"/>
+                  </a:cubicBezTo>
+                  <a:cubicBezTo>
+                    <a:pt x="15" y="165"/>
+                    <a:pt x="18" y="132"/>
+                    <a:pt x="22" y="99"/>
+                  </a:cubicBezTo>
+                  <a:cubicBezTo>
+                    <a:pt x="26" y="66"/>
+                    <a:pt x="30" y="33"/>
+                    <a:pt x="36" y="0"/>
+                  </a:cubicBezTo>
+                  <a:cubicBezTo>
+                    <a:pt x="35" y="0"/>
+                    <a:pt x="35" y="0"/>
+                    <a:pt x="35" y="0"/>
+                  </a:cubicBezTo>
+                  <a:cubicBezTo>
+                    <a:pt x="29" y="33"/>
+                    <a:pt x="24" y="66"/>
+                    <a:pt x="20" y="99"/>
+                  </a:cubicBezTo>
+                  <a:cubicBezTo>
+                    <a:pt x="16" y="132"/>
+                    <a:pt x="13" y="165"/>
+                    <a:pt x="10" y="198"/>
+                  </a:cubicBezTo>
+                  <a:cubicBezTo>
+                    <a:pt x="4" y="264"/>
+                    <a:pt x="1" y="331"/>
+                    <a:pt x="1" y="398"/>
+                  </a:cubicBezTo>
+                  <a:cubicBezTo>
+                    <a:pt x="0" y="461"/>
+                    <a:pt x="2" y="525"/>
+                    <a:pt x="7" y="589"/>
+                  </a:cubicBezTo>
+                  <a:cubicBezTo>
+                    <a:pt x="10" y="603"/>
+                    <a:pt x="13" y="618"/>
+                    <a:pt x="16" y="632"/>
+                  </a:cubicBezTo>
+                  <a:cubicBezTo>
+                    <a:pt x="16" y="632"/>
+                    <a:pt x="17" y="633"/>
+                    <a:pt x="17" y="633"/>
+                  </a:cubicBezTo>
+                  <a:close/>
+                </a:path>
+              </a:pathLst>
+            </a:custGeom>
+            <a:solidFill>
+              <a:schemeClr val="tx2"/>
+            </a:solidFill>
+            <a:ln>
+              <a:noFill/>
+            </a:ln>
+          </p:spPr>
+        </p:sp>
+        <p:sp>
+          <p:nvSpPr>
+            <p:cNvPr id="35" name="Freeform 32"/>
+            <p:cNvSpPr/>
+            <p:nvPr>
+              <p:extLst>
+                <p:ext uri="{386F3935-93C4-4BCD-93E2-E3B085C9AB24}">
+                  <p16:designElem xmlns:p16="http://schemas.microsoft.com/office/powerpoint/2015/main" val="1"/>
+                </p:ext>
+              </p:extLst>
+            </p:nvPr>
+          </p:nvSpPr>
+          <p:spPr bwMode="auto">
+            <a:xfrm>
+              <a:off x="7526338" y="5640388"/>
+              <a:ext cx="111125" cy="233363"/>
+            </a:xfrm>
+            <a:custGeom>
+              <a:avLst/>
+              <a:gdLst/>
+              <a:ahLst/>
+              <a:cxnLst/>
+              <a:rect l="0" t="0" r="r" b="b"/>
+              <a:pathLst>
+                <a:path w="28" h="59">
+                  <a:moveTo>
+                    <a:pt x="22" y="59"/>
+                  </a:moveTo>
+                  <a:cubicBezTo>
+                    <a:pt x="28" y="59"/>
+                    <a:pt x="28" y="59"/>
+                    <a:pt x="28" y="59"/>
+                  </a:cubicBezTo>
+                  <a:cubicBezTo>
+                    <a:pt x="18" y="40"/>
+                    <a:pt x="9" y="20"/>
+                    <a:pt x="0" y="0"/>
+                  </a:cubicBezTo>
+                  <a:cubicBezTo>
+                    <a:pt x="6" y="20"/>
+                    <a:pt x="13" y="40"/>
+                    <a:pt x="22" y="59"/>
+                  </a:cubicBezTo>
+                  <a:close/>
+                </a:path>
+              </a:pathLst>
+            </a:custGeom>
+            <a:solidFill>
+              <a:schemeClr val="tx2"/>
+            </a:solidFill>
+            <a:ln>
+              <a:noFill/>
+            </a:ln>
+          </p:spPr>
+        </p:sp>
+        <p:sp>
+          <p:nvSpPr>
+            <p:cNvPr id="36" name="Freeform 33"/>
+            <p:cNvSpPr/>
+            <p:nvPr>
+              <p:extLst>
+                <p:ext uri="{386F3935-93C4-4BCD-93E2-E3B085C9AB24}">
+                  <p16:designElem xmlns:p16="http://schemas.microsoft.com/office/powerpoint/2015/main" val="1"/>
+                </p:ext>
+              </p:extLst>
+            </p:nvPr>
+          </p:nvSpPr>
+          <p:spPr bwMode="auto">
+            <a:xfrm>
+              <a:off x="7021513" y="3598863"/>
+              <a:ext cx="68263" cy="423863"/>
+            </a:xfrm>
+            <a:custGeom>
+              <a:avLst/>
+              <a:gdLst/>
+              <a:ahLst/>
+              <a:cxnLst/>
+              <a:rect l="0" t="0" r="r" b="b"/>
+              <a:pathLst>
+                <a:path w="17" h="107">
+                  <a:moveTo>
+                    <a:pt x="4" y="54"/>
+                  </a:moveTo>
+                  <a:cubicBezTo>
+                    <a:pt x="8" y="72"/>
+                    <a:pt x="13" y="89"/>
+                    <a:pt x="17" y="107"/>
+                  </a:cubicBezTo>
+                  <a:cubicBezTo>
+                    <a:pt x="14" y="86"/>
+                    <a:pt x="12" y="65"/>
+                    <a:pt x="10" y="44"/>
+                  </a:cubicBezTo>
+                  <a:cubicBezTo>
+                    <a:pt x="10" y="44"/>
+                    <a:pt x="9" y="43"/>
+                    <a:pt x="9" y="43"/>
+                  </a:cubicBezTo>
+                  <a:cubicBezTo>
+                    <a:pt x="6" y="29"/>
+                    <a:pt x="3" y="14"/>
+                    <a:pt x="0" y="0"/>
+                  </a:cubicBezTo>
+                  <a:cubicBezTo>
+                    <a:pt x="0" y="2"/>
+                    <a:pt x="0" y="5"/>
+                    <a:pt x="0" y="8"/>
+                  </a:cubicBezTo>
+                  <a:cubicBezTo>
+                    <a:pt x="1" y="23"/>
+                    <a:pt x="3" y="39"/>
+                    <a:pt x="4" y="54"/>
+                  </a:cubicBezTo>
+                  <a:close/>
+                </a:path>
+              </a:pathLst>
+            </a:custGeom>
+            <a:solidFill>
+              <a:schemeClr val="tx2"/>
+            </a:solidFill>
+            <a:ln>
+              <a:noFill/>
+            </a:ln>
+          </p:spPr>
+        </p:sp>
+        <p:sp>
+          <p:nvSpPr>
+            <p:cNvPr id="37" name="Freeform 34"/>
+            <p:cNvSpPr/>
+            <p:nvPr>
+              <p:extLst>
+                <p:ext uri="{386F3935-93C4-4BCD-93E2-E3B085C9AB24}">
+                  <p16:designElem xmlns:p16="http://schemas.microsoft.com/office/powerpoint/2015/main" val="1"/>
+                </p:ext>
+              </p:extLst>
+            </p:nvPr>
+          </p:nvSpPr>
+          <p:spPr bwMode="auto">
+            <a:xfrm>
+              <a:off x="7412038" y="2801938"/>
+              <a:ext cx="1168400" cy="2251075"/>
+            </a:xfrm>
+            <a:custGeom>
+              <a:avLst/>
+              <a:gdLst/>
+              <a:ahLst/>
+              <a:cxnLst/>
+              <a:rect l="0" t="0" r="r" b="b"/>
+              <a:pathLst>
+                <a:path w="294" h="568">
+                  <a:moveTo>
+                    <a:pt x="8" y="553"/>
+                  </a:moveTo>
+                  <a:cubicBezTo>
+                    <a:pt x="9" y="501"/>
+                    <a:pt x="19" y="448"/>
+                    <a:pt x="35" y="397"/>
+                  </a:cubicBezTo>
+                  <a:cubicBezTo>
+                    <a:pt x="51" y="347"/>
+                    <a:pt x="73" y="298"/>
+                    <a:pt x="99" y="252"/>
+                  </a:cubicBezTo>
+                  <a:cubicBezTo>
+                    <a:pt x="124" y="205"/>
+                    <a:pt x="154" y="161"/>
+                    <a:pt x="187" y="119"/>
+                  </a:cubicBezTo>
+                  <a:cubicBezTo>
+                    <a:pt x="203" y="98"/>
+                    <a:pt x="220" y="77"/>
+                    <a:pt x="238" y="58"/>
+                  </a:cubicBezTo>
+                  <a:cubicBezTo>
+                    <a:pt x="247" y="48"/>
+                    <a:pt x="256" y="38"/>
+                    <a:pt x="265" y="28"/>
+                  </a:cubicBezTo>
+                  <a:cubicBezTo>
+                    <a:pt x="274" y="19"/>
+                    <a:pt x="284" y="9"/>
+                    <a:pt x="294" y="0"/>
+                  </a:cubicBezTo>
+                  <a:cubicBezTo>
+                    <a:pt x="293" y="0"/>
+                    <a:pt x="293" y="0"/>
+                    <a:pt x="293" y="0"/>
+                  </a:cubicBezTo>
+                  <a:cubicBezTo>
+                    <a:pt x="283" y="9"/>
+                    <a:pt x="273" y="18"/>
+                    <a:pt x="264" y="27"/>
+                  </a:cubicBezTo>
+                  <a:cubicBezTo>
+                    <a:pt x="255" y="37"/>
+                    <a:pt x="246" y="47"/>
+                    <a:pt x="237" y="56"/>
+                  </a:cubicBezTo>
+                  <a:cubicBezTo>
+                    <a:pt x="218" y="76"/>
+                    <a:pt x="201" y="96"/>
+                    <a:pt x="185" y="117"/>
+                  </a:cubicBezTo>
+                  <a:cubicBezTo>
+                    <a:pt x="151" y="159"/>
+                    <a:pt x="121" y="203"/>
+                    <a:pt x="95" y="249"/>
+                  </a:cubicBezTo>
+                  <a:cubicBezTo>
+                    <a:pt x="68" y="296"/>
+                    <a:pt x="46" y="345"/>
+                    <a:pt x="30" y="396"/>
+                  </a:cubicBezTo>
+                  <a:cubicBezTo>
+                    <a:pt x="13" y="445"/>
+                    <a:pt x="3" y="497"/>
+                    <a:pt x="0" y="549"/>
+                  </a:cubicBezTo>
+                  <a:cubicBezTo>
+                    <a:pt x="3" y="555"/>
+                    <a:pt x="5" y="561"/>
+                    <a:pt x="7" y="568"/>
+                  </a:cubicBezTo>
+                  <a:cubicBezTo>
+                    <a:pt x="7" y="563"/>
+                    <a:pt x="7" y="558"/>
+                    <a:pt x="8" y="553"/>
+                  </a:cubicBezTo>
+                  <a:close/>
+                </a:path>
+              </a:pathLst>
+            </a:custGeom>
+            <a:solidFill>
+              <a:schemeClr val="tx2"/>
+            </a:solidFill>
+            <a:ln>
+              <a:noFill/>
+            </a:ln>
+          </p:spPr>
+        </p:sp>
+        <p:sp>
+          <p:nvSpPr>
+            <p:cNvPr id="38" name="Freeform 35"/>
+            <p:cNvSpPr/>
+            <p:nvPr>
+              <p:extLst>
+                <p:ext uri="{386F3935-93C4-4BCD-93E2-E3B085C9AB24}">
+                  <p16:designElem xmlns:p16="http://schemas.microsoft.com/office/powerpoint/2015/main" val="1"/>
+                </p:ext>
+              </p:extLst>
+            </p:nvPr>
+          </p:nvSpPr>
+          <p:spPr bwMode="auto">
+            <a:xfrm>
+              <a:off x="7494588" y="5664200"/>
+              <a:ext cx="100013" cy="209550"/>
+            </a:xfrm>
+            <a:custGeom>
+              <a:avLst/>
+              <a:gdLst/>
+              <a:ahLst/>
+              <a:cxnLst/>
+              <a:rect l="0" t="0" r="r" b="b"/>
+              <a:pathLst>
+                <a:path w="25" h="53">
+                  <a:moveTo>
+                    <a:pt x="0" y="0"/>
+                  </a:moveTo>
+                  <a:cubicBezTo>
+                    <a:pt x="5" y="18"/>
+                    <a:pt x="12" y="36"/>
+                    <a:pt x="19" y="53"/>
+                  </a:cubicBezTo>
+                  <a:cubicBezTo>
+                    <a:pt x="25" y="53"/>
+                    <a:pt x="25" y="53"/>
+                    <a:pt x="25" y="53"/>
+                  </a:cubicBezTo>
+                  <a:cubicBezTo>
+                    <a:pt x="16" y="36"/>
+                    <a:pt x="8" y="18"/>
+                    <a:pt x="0" y="0"/>
+                  </a:cubicBezTo>
+                  <a:close/>
+                </a:path>
+              </a:pathLst>
+            </a:custGeom>
+            <a:solidFill>
+              <a:schemeClr val="tx2"/>
+            </a:solidFill>
+            <a:ln>
+              <a:noFill/>
+            </a:ln>
+          </p:spPr>
+        </p:sp>
+        <p:sp>
+          <p:nvSpPr>
+            <p:cNvPr id="39" name="Freeform 36"/>
+            <p:cNvSpPr/>
+            <p:nvPr>
+              <p:extLst>
+                <p:ext uri="{386F3935-93C4-4BCD-93E2-E3B085C9AB24}">
+                  <p16:designElem xmlns:p16="http://schemas.microsoft.com/office/powerpoint/2015/main" val="1"/>
+                </p:ext>
+              </p:extLst>
+            </p:nvPr>
+          </p:nvSpPr>
+          <p:spPr bwMode="auto">
+            <a:xfrm>
+              <a:off x="7412038" y="5081588"/>
+              <a:ext cx="114300" cy="558800"/>
+            </a:xfrm>
+            <a:custGeom>
+              <a:avLst/>
+              <a:gdLst/>
+              <a:ahLst/>
+              <a:cxnLst/>
+              <a:rect l="0" t="0" r="r" b="b"/>
+              <a:pathLst>
+                <a:path w="29" h="141">
+                  <a:moveTo>
+                    <a:pt x="0" y="0"/>
+                  </a:moveTo>
+                  <a:cubicBezTo>
+                    <a:pt x="0" y="30"/>
+                    <a:pt x="2" y="60"/>
+                    <a:pt x="7" y="89"/>
+                  </a:cubicBezTo>
+                  <a:cubicBezTo>
+                    <a:pt x="11" y="98"/>
+                    <a:pt x="14" y="108"/>
+                    <a:pt x="18" y="117"/>
+                  </a:cubicBezTo>
+                  <a:cubicBezTo>
+                    <a:pt x="22" y="125"/>
+                    <a:pt x="25" y="133"/>
+                    <a:pt x="29" y="141"/>
+                  </a:cubicBezTo>
+                  <a:cubicBezTo>
+                    <a:pt x="28" y="139"/>
+                    <a:pt x="28" y="137"/>
+                    <a:pt x="27" y="135"/>
+                  </a:cubicBezTo>
+                  <a:cubicBezTo>
+                    <a:pt x="16" y="98"/>
+                    <a:pt x="10" y="60"/>
+                    <a:pt x="8" y="22"/>
+                  </a:cubicBezTo>
+                  <a:cubicBezTo>
+                    <a:pt x="7" y="18"/>
+                    <a:pt x="5" y="15"/>
+                    <a:pt x="4" y="11"/>
+                  </a:cubicBezTo>
+                  <a:cubicBezTo>
+                    <a:pt x="2" y="7"/>
+                    <a:pt x="1" y="3"/>
+                    <a:pt x="0" y="0"/>
+                  </a:cubicBezTo>
+                  <a:close/>
+                </a:path>
+              </a:pathLst>
+            </a:custGeom>
+            <a:solidFill>
+              <a:schemeClr val="tx2"/>
+            </a:solidFill>
+            <a:ln>
+              <a:noFill/>
+            </a:ln>
+          </p:spPr>
+        </p:sp>
+        <p:sp>
+          <p:nvSpPr>
+            <p:cNvPr id="40" name="Freeform 37"/>
+            <p:cNvSpPr/>
+            <p:nvPr>
+              <p:extLst>
+                <p:ext uri="{386F3935-93C4-4BCD-93E2-E3B085C9AB24}">
+                  <p16:designElem xmlns:p16="http://schemas.microsoft.com/office/powerpoint/2015/main" val="1"/>
+                </p:ext>
+              </p:extLst>
+            </p:nvPr>
+          </p:nvSpPr>
+          <p:spPr bwMode="auto">
+            <a:xfrm>
+              <a:off x="7412038" y="4978400"/>
+              <a:ext cx="31750" cy="188913"/>
+            </a:xfrm>
+            <a:custGeom>
+              <a:avLst/>
+              <a:gdLst/>
+              <a:ahLst/>
+              <a:cxnLst/>
+              <a:rect l="0" t="0" r="r" b="b"/>
+              <a:pathLst>
+                <a:path w="8" h="48">
+                  <a:moveTo>
+                    <a:pt x="0" y="26"/>
+                  </a:moveTo>
+                  <a:cubicBezTo>
+                    <a:pt x="1" y="29"/>
+                    <a:pt x="2" y="33"/>
+                    <a:pt x="4" y="37"/>
+                  </a:cubicBezTo>
+                  <a:cubicBezTo>
+                    <a:pt x="5" y="41"/>
+                    <a:pt x="7" y="44"/>
+                    <a:pt x="8" y="48"/>
+                  </a:cubicBezTo>
+                  <a:cubicBezTo>
+                    <a:pt x="7" y="38"/>
+                    <a:pt x="7" y="28"/>
+                    <a:pt x="7" y="19"/>
+                  </a:cubicBezTo>
+                  <a:cubicBezTo>
+                    <a:pt x="5" y="12"/>
+                    <a:pt x="3" y="6"/>
+                    <a:pt x="0" y="0"/>
+                  </a:cubicBezTo>
+                  <a:cubicBezTo>
+                    <a:pt x="0" y="1"/>
+                    <a:pt x="0" y="3"/>
+                    <a:pt x="0" y="4"/>
+                  </a:cubicBezTo>
+                  <a:cubicBezTo>
+                    <a:pt x="0" y="11"/>
+                    <a:pt x="0" y="19"/>
+                    <a:pt x="0" y="26"/>
+                  </a:cubicBezTo>
+                  <a:close/>
+                </a:path>
+              </a:pathLst>
+            </a:custGeom>
+            <a:solidFill>
+              <a:schemeClr val="tx2"/>
+            </a:solidFill>
+            <a:ln>
+              <a:noFill/>
+            </a:ln>
+          </p:spPr>
+        </p:sp>
+        <p:sp>
+          <p:nvSpPr>
+            <p:cNvPr id="41" name="Freeform 38"/>
+            <p:cNvSpPr/>
+            <p:nvPr>
+              <p:extLst>
+                <p:ext uri="{386F3935-93C4-4BCD-93E2-E3B085C9AB24}">
+                  <p16:designElem xmlns:p16="http://schemas.microsoft.com/office/powerpoint/2015/main" val="1"/>
+                </p:ext>
+              </p:extLst>
+            </p:nvPr>
+          </p:nvSpPr>
+          <p:spPr bwMode="auto">
+            <a:xfrm>
+              <a:off x="7439026" y="5434013"/>
+              <a:ext cx="174625" cy="439738"/>
+            </a:xfrm>
+            <a:custGeom>
+              <a:avLst/>
+              <a:gdLst/>
+              <a:ahLst/>
+              <a:cxnLst/>
+              <a:rect l="0" t="0" r="r" b="b"/>
+              <a:pathLst>
+                <a:path w="44" h="111">
+                  <a:moveTo>
+                    <a:pt x="11" y="28"/>
+                  </a:moveTo>
+                  <a:cubicBezTo>
+                    <a:pt x="7" y="19"/>
+                    <a:pt x="4" y="9"/>
+                    <a:pt x="0" y="0"/>
+                  </a:cubicBezTo>
+                  <a:cubicBezTo>
+                    <a:pt x="3" y="16"/>
+                    <a:pt x="7" y="33"/>
+                    <a:pt x="11" y="49"/>
+                  </a:cubicBezTo>
+                  <a:cubicBezTo>
+                    <a:pt x="12" y="52"/>
+                    <a:pt x="13" y="55"/>
+                    <a:pt x="14" y="58"/>
+                  </a:cubicBezTo>
+                  <a:cubicBezTo>
+                    <a:pt x="22" y="76"/>
+                    <a:pt x="30" y="94"/>
+                    <a:pt x="39" y="111"/>
+                  </a:cubicBezTo>
+                  <a:cubicBezTo>
+                    <a:pt x="44" y="111"/>
+                    <a:pt x="44" y="111"/>
+                    <a:pt x="44" y="111"/>
+                  </a:cubicBezTo>
+                  <a:cubicBezTo>
+                    <a:pt x="35" y="92"/>
+                    <a:pt x="28" y="72"/>
+                    <a:pt x="22" y="52"/>
+                  </a:cubicBezTo>
+                  <a:cubicBezTo>
+                    <a:pt x="18" y="44"/>
+                    <a:pt x="15" y="36"/>
+                    <a:pt x="11" y="28"/>
+                  </a:cubicBezTo>
+                  <a:close/>
+                </a:path>
+              </a:pathLst>
+            </a:custGeom>
+            <a:solidFill>
+              <a:schemeClr val="tx2"/>
+            </a:solidFill>
+            <a:ln>
+              <a:noFill/>
+            </a:ln>
+          </p:spPr>
+        </p:sp>
+      </p:grpSp>
+      <p:sp>
+        <p:nvSpPr>
+          <p:cNvPr id="42" name="Rectangle 41"/>
+          <p:cNvSpPr>
+            <a:spLocks noGrp="1" noRot="1" noChangeAspect="1" noMove="1" noResize="1" noEditPoints="1" noAdjustHandles="1" noChangeArrowheads="1" noChangeShapeType="1" noTextEdit="1"/>
+          </p:cNvSpPr>
+          <p:nvPr>
+            <p:extLst>
+              <p:ext uri="{386F3935-93C4-4BCD-93E2-E3B085C9AB24}">
+                <p16:designElem xmlns:p16="http://schemas.microsoft.com/office/powerpoint/2015/main" val="1"/>
+              </p:ext>
+            </p:extLst>
+          </p:nvPr>
+        </p:nvSpPr>
+        <p:spPr>
+          <a:xfrm>
+            <a:off x="4645704" y="0"/>
+            <a:ext cx="182880" cy="6858000"/>
+          </a:xfrm>
+          <a:prstGeom prst="rect">
+            <a:avLst/>
+          </a:prstGeom>
+          <a:solidFill>
+            <a:schemeClr val="tx2"/>
+          </a:solidFill>
+          <a:ln>
+            <a:noFill/>
+          </a:ln>
+          <a:effectLst/>
+        </p:spPr>
+        <p:style>
+          <a:lnRef idx="1">
+            <a:schemeClr val="accent1"/>
+          </a:lnRef>
+          <a:fillRef idx="3">
+            <a:schemeClr val="accent1"/>
+          </a:fillRef>
+          <a:effectRef idx="2">
+            <a:schemeClr val="accent1"/>
+          </a:effectRef>
+          <a:fontRef idx="minor">
+            <a:schemeClr val="lt1"/>
+          </a:fontRef>
+        </p:style>
+      </p:sp>
+      <p:sp>
+        <p:nvSpPr>
+          <p:cNvPr id="43" name="Freeform 11"/>
+          <p:cNvSpPr>
+            <a:spLocks noGrp="1" noRot="1" noChangeAspect="1" noMove="1" noResize="1" noEditPoints="1" noAdjustHandles="1" noChangeArrowheads="1" noChangeShapeType="1" noTextEdit="1"/>
+          </p:cNvSpPr>
+          <p:nvPr>
+            <p:extLst>
+              <p:ext uri="{386F3935-93C4-4BCD-93E2-E3B085C9AB24}">
+                <p16:designElem xmlns:p16="http://schemas.microsoft.com/office/powerpoint/2015/main" val="1"/>
+              </p:ext>
+            </p:extLst>
+          </p:nvPr>
+        </p:nvSpPr>
+        <p:spPr bwMode="auto">
+          <a:xfrm flipV="1">
+            <a:off x="4645704" y="714375"/>
+            <a:ext cx="1588527" cy="507297"/>
+          </a:xfrm>
+          <a:custGeom>
+            <a:avLst/>
+            <a:gdLst/>
+            <a:ahLst/>
+            <a:cxnLst/>
+            <a:rect l="l" t="t" r="r" b="b"/>
+            <a:pathLst>
+              <a:path w="9248" h="10000">
+                <a:moveTo>
+                  <a:pt x="9248" y="4701"/>
+                </a:moveTo>
+                <a:lnTo>
+                  <a:pt x="7915" y="188"/>
+                </a:lnTo>
+                <a:cubicBezTo>
+                  <a:pt x="7906" y="156"/>
+                  <a:pt x="7895" y="126"/>
+                  <a:pt x="7886" y="94"/>
+                </a:cubicBezTo>
+                <a:cubicBezTo>
+                  <a:pt x="7859" y="0"/>
+                  <a:pt x="7831" y="0"/>
+                  <a:pt x="7803" y="0"/>
+                </a:cubicBezTo>
+                <a:lnTo>
+                  <a:pt x="7275" y="0"/>
+                </a:lnTo>
+                <a:lnTo>
+                  <a:pt x="0" y="70"/>
+                </a:lnTo>
+                <a:cubicBezTo>
+                  <a:pt x="8" y="3380"/>
+                  <a:pt x="17" y="6690"/>
+                  <a:pt x="25" y="10000"/>
+                </a:cubicBezTo>
+                <a:lnTo>
+                  <a:pt x="7275" y="9966"/>
+                </a:lnTo>
+                <a:lnTo>
+                  <a:pt x="7803" y="9966"/>
+                </a:lnTo>
+                <a:cubicBezTo>
+                  <a:pt x="7831" y="9966"/>
+                  <a:pt x="7859" y="9872"/>
+                  <a:pt x="7886" y="9872"/>
+                </a:cubicBezTo>
+                <a:cubicBezTo>
+                  <a:pt x="7886" y="9778"/>
+                  <a:pt x="7915" y="9778"/>
+                  <a:pt x="7915" y="9778"/>
+                </a:cubicBezTo>
+                <a:lnTo>
+                  <a:pt x="9248" y="5265"/>
+                </a:lnTo>
+                <a:cubicBezTo>
+                  <a:pt x="9303" y="5077"/>
+                  <a:pt x="9303" y="4889"/>
+                  <a:pt x="9248" y="4701"/>
+                </a:cubicBezTo>
+                <a:close/>
+              </a:path>
+            </a:pathLst>
+          </a:custGeom>
+          <a:solidFill>
+            <a:schemeClr val="accent1"/>
+          </a:solidFill>
+          <a:ln>
+            <a:noFill/>
+          </a:ln>
+        </p:spPr>
+      </p:sp>
+      <p:pic>
+        <p:nvPicPr>
+          <p:cNvPr id="6" name="Content Placeholder 3"/>
+          <p:cNvPicPr>
+            <a:picLocks noChangeAspect="1"/>
+          </p:cNvPicPr>
+          <p:nvPr/>
+        </p:nvPicPr>
+        <p:blipFill rotWithShape="1">
+          <a:blip r:embed="rId2"/>
+          <a:srcRect t="112" r="-4" b="1498"/>
+          <a:stretch/>
+        </p:blipFill>
+        <p:spPr>
+          <a:xfrm>
+            <a:off x="-2650" y="10"/>
+            <a:ext cx="4646985" cy="3428990"/>
+          </a:xfrm>
+          <a:prstGeom prst="rect">
+            <a:avLst/>
+          </a:prstGeom>
+        </p:spPr>
+      </p:pic>
+      <p:pic>
+        <p:nvPicPr>
+          <p:cNvPr id="3" name="Picture 2"/>
+          <p:cNvPicPr>
+            <a:picLocks noChangeAspect="1"/>
+          </p:cNvPicPr>
+          <p:nvPr/>
+        </p:nvPicPr>
+        <p:blipFill rotWithShape="1">
+          <a:blip r:embed="rId3"/>
+          <a:srcRect l="2764" r="2" b="2"/>
+          <a:stretch/>
+        </p:blipFill>
+        <p:spPr>
+          <a:xfrm>
+            <a:off x="-1552" y="3429000"/>
+            <a:ext cx="4646985" cy="3429000"/>
+          </a:xfrm>
+          <a:prstGeom prst="rect">
+            <a:avLst/>
+          </a:prstGeom>
+        </p:spPr>
+      </p:pic>
+      <p:cxnSp>
+        <p:nvCxnSpPr>
+          <p:cNvPr id="44" name="Straight Connector 43"/>
+          <p:cNvCxnSpPr>
+            <a:cxnSpLocks noGrp="1" noRot="1" noChangeAspect="1" noMove="1" noResize="1" noEditPoints="1" noAdjustHandles="1" noChangeArrowheads="1" noChangeShapeType="1"/>
+            <a:endCxn id="33" idx="1"/>
+          </p:cNvCxnSpPr>
+          <p:nvPr>
+            <p:extLst>
+              <p:ext uri="{386F3935-93C4-4BCD-93E2-E3B085C9AB24}">
+                <p16:designElem xmlns:p16="http://schemas.microsoft.com/office/powerpoint/2015/main" val="1"/>
+              </p:ext>
+            </p:extLst>
+          </p:nvPr>
+        </p:nvCxnSpPr>
+        <p:spPr>
+          <a:xfrm>
+            <a:off x="-16934" y="3429000"/>
+            <a:ext cx="4662638" cy="0"/>
+          </a:xfrm>
+          <a:prstGeom prst="line">
+            <a:avLst/>
+          </a:prstGeom>
+          <a:ln w="50800">
+            <a:solidFill>
+              <a:schemeClr val="tx2"/>
+            </a:solidFill>
+          </a:ln>
+        </p:spPr>
+        <p:style>
+          <a:lnRef idx="1">
+            <a:schemeClr val="accent1"/>
+          </a:lnRef>
+          <a:fillRef idx="0">
+            <a:schemeClr val="accent1"/>
+          </a:fillRef>
+          <a:effectRef idx="0">
+            <a:schemeClr val="accent1"/>
+          </a:effectRef>
+          <a:fontRef idx="minor">
+            <a:schemeClr val="tx1"/>
+          </a:fontRef>
+        </p:style>
+      </p:cxnSp>
+      <p:sp>
+        <p:nvSpPr>
+          <p:cNvPr id="2" name="Title 1"/>
+          <p:cNvSpPr>
+            <a:spLocks noGrp="1"/>
+          </p:cNvSpPr>
+          <p:nvPr>
+            <p:ph type="title"/>
+          </p:nvPr>
+        </p:nvSpPr>
+        <p:spPr>
+          <a:xfrm>
+            <a:off x="6483096" y="624110"/>
+            <a:ext cx="5021516" cy="1280890"/>
+          </a:xfrm>
+        </p:spPr>
+        <p:txBody>
+          <a:bodyPr>
+            <a:normAutofit/>
+          </a:bodyPr>
+          <a:lstStyle/>
+          <a:p>
+            <a:r>
+              <a:rPr lang="en-US"/>
+              <a:t>GPIO: Tutorial 2: take a picture </a:t>
+            </a:r>
+            <a:endParaRPr lang="en-GB"/>
+          </a:p>
+        </p:txBody>
+      </p:sp>
+      <p:sp>
+        <p:nvSpPr>
+          <p:cNvPr id="8" name="Content Placeholder 7"/>
+          <p:cNvSpPr>
+            <a:spLocks noGrp="1"/>
+          </p:cNvSpPr>
+          <p:nvPr>
+            <p:ph idx="1"/>
+          </p:nvPr>
+        </p:nvSpPr>
+        <p:spPr>
+          <a:xfrm>
+            <a:off x="6438191" y="2133600"/>
+            <a:ext cx="5066419" cy="3777622"/>
+          </a:xfrm>
+        </p:spPr>
+        <p:txBody>
+          <a:bodyPr>
+            <a:normAutofit/>
+          </a:bodyPr>
+          <a:lstStyle/>
+          <a:p>
+            <a:r>
+              <a:rPr lang="en-US" dirty="0"/>
+              <a:t>Load the program</a:t>
+            </a:r>
+          </a:p>
+          <a:p>
+            <a:r>
+              <a:rPr lang="en-US" dirty="0"/>
+              <a:t>Take a picture,</a:t>
+            </a:r>
+          </a:p>
+          <a:p>
+            <a:r>
+              <a:rPr lang="en-US" dirty="0"/>
+              <a:t>SCP to computer and see it.</a:t>
+            </a:r>
+          </a:p>
+        </p:txBody>
+      </p:sp>
+    </p:spTree>
+    <p:extLst>
+      <p:ext uri="{BB962C8B-B14F-4D97-AF65-F5344CB8AC3E}">
+        <p14:creationId xmlns:p14="http://schemas.microsoft.com/office/powerpoint/2010/main" val="1737913824"/>
+      </p:ext>
+    </p:extLst>
+  </p:cSld>
+  <p:clrMapOvr>
+    <a:masterClrMapping/>
+  </p:clrMapOvr>
+</p:sld>
+</file>
+
+<file path=ppt/slides/slide12.xml><?xml version="1.0" encoding="utf-8"?>
+<p:sld xmlns:a="http://schemas.openxmlformats.org/drawingml/2006/main" xmlns:r="http://schemas.openxmlformats.org/officeDocument/2006/relationships" xmlns:p="http://schemas.openxmlformats.org/presentationml/2006/main">
+  <p:cSld>
+    <p:spTree>
+      <p:nvGrpSpPr>
+        <p:cNvPr id="1" name=""/>
+        <p:cNvGrpSpPr/>
+        <p:nvPr/>
+      </p:nvGrpSpPr>
+      <p:grpSpPr>
+        <a:xfrm>
+          <a:off x="0" y="0"/>
+          <a:ext cx="0" cy="0"/>
+          <a:chOff x="0" y="0"/>
+          <a:chExt cx="0" cy="0"/>
+        </a:xfrm>
+      </p:grpSpPr>
+      <p:sp>
+        <p:nvSpPr>
+          <p:cNvPr id="2" name="Title 1"/>
+          <p:cNvSpPr>
+            <a:spLocks noGrp="1"/>
+          </p:cNvSpPr>
+          <p:nvPr>
+            <p:ph type="title"/>
+          </p:nvPr>
+        </p:nvSpPr>
+        <p:spPr>
+          <a:xfrm>
+            <a:off x="1609859" y="624110"/>
+            <a:ext cx="9894753" cy="715293"/>
+          </a:xfrm>
+        </p:spPr>
+        <p:txBody>
+          <a:bodyPr/>
+          <a:lstStyle/>
+          <a:p>
+            <a:r>
+              <a:rPr lang="en-US" dirty="0"/>
+              <a:t>Reference:</a:t>
+            </a:r>
+            <a:endParaRPr lang="en-GB" dirty="0"/>
+          </a:p>
+        </p:txBody>
+      </p:sp>
+      <p:sp>
+        <p:nvSpPr>
+          <p:cNvPr id="3" name="Content Placeholder 2"/>
+          <p:cNvSpPr>
+            <a:spLocks noGrp="1"/>
+          </p:cNvSpPr>
+          <p:nvPr>
+            <p:ph idx="1"/>
+          </p:nvPr>
+        </p:nvSpPr>
+        <p:spPr>
+          <a:xfrm>
+            <a:off x="1609859" y="1339403"/>
+            <a:ext cx="8915400" cy="3777622"/>
+          </a:xfrm>
+        </p:spPr>
+        <p:txBody>
+          <a:bodyPr/>
+          <a:lstStyle/>
+          <a:p>
+            <a:r>
+              <a:rPr lang="en-GB" dirty="0">
+                <a:hlinkClick r:id="rId2"/>
+              </a:rPr>
+              <a:t>https://pinout.xyz/</a:t>
+            </a:r>
+            <a:endParaRPr lang="en-GB" dirty="0"/>
+          </a:p>
+          <a:p>
+            <a:r>
+              <a:rPr lang="en-GB" dirty="0">
+                <a:hlinkClick r:id="rId3"/>
+              </a:rPr>
+              <a:t>https://learn.sparkfun.com/tutorials/raspberry-gpio</a:t>
+            </a:r>
+            <a:endParaRPr lang="en-GB" dirty="0"/>
+          </a:p>
+          <a:p>
+            <a:r>
+              <a:rPr lang="en-GB" dirty="0">
+                <a:hlinkClick r:id="rId4"/>
+              </a:rPr>
+              <a:t>http://wiringpi.com/</a:t>
+            </a:r>
+            <a:endParaRPr lang="en-GB" dirty="0"/>
+          </a:p>
+          <a:p>
+            <a:r>
+              <a:rPr lang="en-GB" dirty="0">
+                <a:hlinkClick r:id="rId5"/>
+              </a:rPr>
+              <a:t>https://www.raspberrypi.org/learning/getting-started-with-picamera/worksheet/</a:t>
+            </a:r>
+            <a:endParaRPr lang="en-GB" dirty="0"/>
+          </a:p>
+          <a:p>
+            <a:r>
+              <a:rPr lang="en-GB" dirty="0"/>
+              <a:t>http://www.instructables.com/id/Read-and-write-from-serial-port-with-Raspberry-Pi/</a:t>
+            </a:r>
+          </a:p>
+        </p:txBody>
+      </p:sp>
+    </p:spTree>
+    <p:extLst>
+      <p:ext uri="{BB962C8B-B14F-4D97-AF65-F5344CB8AC3E}">
+        <p14:creationId xmlns:p14="http://schemas.microsoft.com/office/powerpoint/2010/main" val="3287161935"/>
+      </p:ext>
+    </p:extLst>
+  </p:cSld>
+  <p:clrMapOvr>
+    <a:masterClrMapping/>
+  </p:clrMapOvr>
+</p:sld>
+</file>
+
+<file path=ppt/slides/slide2.xml><?xml version="1.0" encoding="utf-8"?>
+<p:sld xmlns:a="http://schemas.openxmlformats.org/drawingml/2006/main" xmlns:r="http://schemas.openxmlformats.org/officeDocument/2006/relationships" xmlns:p="http://schemas.openxmlformats.org/presentationml/2006/main">
+  <p:cSld>
+    <p:spTree>
+      <p:nvGrpSpPr>
+        <p:cNvPr id="1" name=""/>
+        <p:cNvGrpSpPr/>
+        <p:nvPr/>
+      </p:nvGrpSpPr>
+      <p:grpSpPr>
+        <a:xfrm>
+          <a:off x="0" y="0"/>
+          <a:ext cx="0" cy="0"/>
+          <a:chOff x="0" y="0"/>
+          <a:chExt cx="0" cy="0"/>
+        </a:xfrm>
+      </p:grpSpPr>
+      <p:pic>
+        <p:nvPicPr>
+          <p:cNvPr id="8" name="Content Placeholder 4"/>
+          <p:cNvPicPr>
+            <a:picLocks noChangeAspect="1"/>
+          </p:cNvPicPr>
+          <p:nvPr/>
+        </p:nvPicPr>
+        <p:blipFill rotWithShape="1">
+          <a:blip r:embed="rId2"/>
+          <a:srcRect l="874" r="4592" b="1"/>
+          <a:stretch/>
+        </p:blipFill>
+        <p:spPr>
+          <a:xfrm>
+            <a:off x="7675808" y="1416676"/>
+            <a:ext cx="4060918" cy="3909048"/>
+          </a:xfrm>
+          <a:prstGeom prst="rect">
+            <a:avLst/>
+          </a:prstGeom>
+        </p:spPr>
+      </p:pic>
+      <p:sp>
+        <p:nvSpPr>
+          <p:cNvPr id="2" name="Title 1"/>
+          <p:cNvSpPr>
+            <a:spLocks noGrp="1"/>
+          </p:cNvSpPr>
+          <p:nvPr>
+            <p:ph type="title"/>
+          </p:nvPr>
+        </p:nvSpPr>
+        <p:spPr>
+          <a:xfrm>
+            <a:off x="1687669" y="624110"/>
+            <a:ext cx="6335869" cy="612262"/>
+          </a:xfrm>
+        </p:spPr>
+        <p:txBody>
+          <a:bodyPr>
+            <a:normAutofit/>
+          </a:bodyPr>
+          <a:lstStyle/>
+          <a:p>
+            <a:r>
+              <a:rPr lang="en-US" sz="3200" dirty="0"/>
+              <a:t>What is a Raspberry Pi?</a:t>
+            </a:r>
+            <a:endParaRPr lang="en-GB" sz="3200" dirty="0"/>
+          </a:p>
+        </p:txBody>
+      </p:sp>
+      <p:sp>
+        <p:nvSpPr>
+          <p:cNvPr id="10" name="Content Placeholder 8"/>
+          <p:cNvSpPr>
+            <a:spLocks noGrp="1"/>
+          </p:cNvSpPr>
+          <p:nvPr>
+            <p:ph idx="1"/>
+          </p:nvPr>
+        </p:nvSpPr>
+        <p:spPr>
+          <a:xfrm>
+            <a:off x="1683955" y="1416676"/>
+            <a:ext cx="5888821" cy="4494546"/>
+          </a:xfrm>
+        </p:spPr>
+        <p:txBody>
+          <a:bodyPr>
+            <a:normAutofit/>
+          </a:bodyPr>
+          <a:lstStyle/>
+          <a:p>
+            <a:r>
+              <a:rPr lang="en-US" sz="1600" dirty="0">
+                <a:solidFill>
+                  <a:srgbClr val="000000"/>
+                </a:solidFill>
+              </a:rPr>
+              <a:t>A credit card-sized single-board which run as a portable computer with LINUX and a bunch of I/O pins</a:t>
+            </a:r>
+          </a:p>
+          <a:p>
+            <a:r>
+              <a:rPr lang="en-US" sz="1600" dirty="0">
+                <a:solidFill>
+                  <a:srgbClr val="000000"/>
+                </a:solidFill>
+              </a:rPr>
+              <a:t>Use to promote low-cost computer science education, prototyping for IOT and electrical projects, and many more applications</a:t>
+            </a:r>
+          </a:p>
+          <a:p>
+            <a:r>
+              <a:rPr lang="en-US" sz="1600" dirty="0">
+                <a:solidFill>
+                  <a:srgbClr val="000000"/>
+                </a:solidFill>
+              </a:rPr>
+              <a:t>Several generation:</a:t>
+            </a:r>
+          </a:p>
+          <a:p>
+            <a:pPr lvl="1"/>
+            <a:r>
+              <a:rPr lang="it-IT" dirty="0"/>
+              <a:t>Raspberry Pi 1 Model B (First)</a:t>
+            </a:r>
+          </a:p>
+          <a:p>
+            <a:pPr lvl="1"/>
+            <a:r>
+              <a:rPr lang="en-GB" dirty="0"/>
+              <a:t>Raspberry Pi 2</a:t>
+            </a:r>
+          </a:p>
+          <a:p>
+            <a:pPr lvl="1"/>
+            <a:r>
+              <a:rPr lang="it-IT" dirty="0"/>
+              <a:t>Raspberry Pi 3 Model B (newest)</a:t>
+            </a:r>
+          </a:p>
+          <a:p>
+            <a:r>
+              <a:rPr lang="it-IT" sz="1600" dirty="0">
+                <a:solidFill>
+                  <a:srgbClr val="000000"/>
+                </a:solidFill>
+              </a:rPr>
+              <a:t>Operation System: LINUX Raspbian (Debian)</a:t>
+            </a:r>
+          </a:p>
+        </p:txBody>
+      </p:sp>
+    </p:spTree>
+    <p:extLst>
+      <p:ext uri="{BB962C8B-B14F-4D97-AF65-F5344CB8AC3E}">
+        <p14:creationId xmlns:p14="http://schemas.microsoft.com/office/powerpoint/2010/main" val="3085265959"/>
+      </p:ext>
+    </p:extLst>
+  </p:cSld>
+  <p:clrMapOvr>
+    <a:masterClrMapping/>
+  </p:clrMapOvr>
+</p:sld>
+</file>
+
+<file path=ppt/slides/slide3.xml><?xml version="1.0" encoding="utf-8"?>
+<p:sld xmlns:a="http://schemas.openxmlformats.org/drawingml/2006/main" xmlns:r="http://schemas.openxmlformats.org/officeDocument/2006/relationships" xmlns:p="http://schemas.openxmlformats.org/presentationml/2006/main">
+  <p:cSld>
+    <p:spTree>
+      <p:nvGrpSpPr>
+        <p:cNvPr id="1" name=""/>
+        <p:cNvGrpSpPr/>
+        <p:nvPr/>
+      </p:nvGrpSpPr>
+      <p:grpSpPr>
+        <a:xfrm>
+          <a:off x="0" y="0"/>
+          <a:ext cx="0" cy="0"/>
+          <a:chOff x="0" y="0"/>
+          <a:chExt cx="0" cy="0"/>
+        </a:xfrm>
+      </p:grpSpPr>
+      <p:sp>
+        <p:nvSpPr>
+          <p:cNvPr id="2" name="Title 1"/>
+          <p:cNvSpPr>
+            <a:spLocks noGrp="1"/>
+          </p:cNvSpPr>
+          <p:nvPr>
+            <p:ph type="title"/>
+          </p:nvPr>
+        </p:nvSpPr>
+        <p:spPr>
+          <a:xfrm>
+            <a:off x="1558345" y="624110"/>
+            <a:ext cx="9946268" cy="650898"/>
+          </a:xfrm>
+        </p:spPr>
+        <p:txBody>
+          <a:bodyPr/>
+          <a:lstStyle/>
+          <a:p>
+            <a:r>
+              <a:rPr lang="en-US" dirty="0"/>
+              <a:t>System specification (Rasp 3 model B)</a:t>
+            </a:r>
+            <a:endParaRPr lang="en-GB" dirty="0"/>
+          </a:p>
+        </p:txBody>
+      </p:sp>
+      <p:sp>
+        <p:nvSpPr>
+          <p:cNvPr id="3" name="Content Placeholder 2"/>
+          <p:cNvSpPr>
+            <a:spLocks noGrp="1"/>
+          </p:cNvSpPr>
+          <p:nvPr>
+            <p:ph idx="1"/>
+          </p:nvPr>
+        </p:nvSpPr>
+        <p:spPr>
+          <a:xfrm>
+            <a:off x="863443" y="1275008"/>
+            <a:ext cx="5550236" cy="3777622"/>
+          </a:xfrm>
+        </p:spPr>
+        <p:txBody>
+          <a:bodyPr/>
+          <a:lstStyle/>
+          <a:p>
+            <a:r>
+              <a:rPr lang="en-US" dirty="0"/>
+              <a:t>CPU:		</a:t>
+            </a:r>
+            <a:r>
+              <a:rPr lang="en-GB" dirty="0"/>
+              <a:t>1.2 </a:t>
+            </a:r>
+            <a:r>
+              <a:rPr lang="en-GB" dirty="0">
+                <a:hlinkClick r:id="rId2" tooltip="Hertz"/>
+              </a:rPr>
+              <a:t>GHz</a:t>
+            </a:r>
+            <a:r>
+              <a:rPr lang="en-GB" dirty="0"/>
+              <a:t> </a:t>
+            </a:r>
+            <a:r>
+              <a:rPr lang="en-GB" dirty="0">
+                <a:hlinkClick r:id="rId3" tooltip="Multi-core processor"/>
+              </a:rPr>
+              <a:t>quad-core</a:t>
+            </a:r>
+            <a:r>
+              <a:rPr lang="en-GB" dirty="0"/>
+              <a:t> </a:t>
+            </a:r>
+            <a:r>
+              <a:rPr lang="en-GB" dirty="0">
+                <a:hlinkClick r:id="rId4" tooltip="ARM Cortex-A53"/>
+              </a:rPr>
+              <a:t>ARM Cortex-A53</a:t>
+            </a:r>
+            <a:endParaRPr lang="en-GB" dirty="0"/>
+          </a:p>
+          <a:p>
+            <a:r>
+              <a:rPr lang="en-US" dirty="0"/>
+              <a:t>RAM:	</a:t>
+            </a:r>
+            <a:r>
+              <a:rPr lang="en-GB" dirty="0"/>
+              <a:t>1 </a:t>
+            </a:r>
+            <a:r>
+              <a:rPr lang="en-GB" dirty="0">
+                <a:hlinkClick r:id="rId5" tooltip="Gibibyte"/>
+              </a:rPr>
+              <a:t>GB</a:t>
+            </a:r>
+            <a:r>
+              <a:rPr lang="en-GB" dirty="0"/>
+              <a:t> </a:t>
+            </a:r>
+            <a:r>
+              <a:rPr lang="en-GB" dirty="0">
+                <a:hlinkClick r:id="rId6" tooltip="Mobile DDR"/>
+              </a:rPr>
+              <a:t>LPDDR2</a:t>
+            </a:r>
+            <a:r>
+              <a:rPr lang="en-GB" dirty="0"/>
+              <a:t> </a:t>
+            </a:r>
+            <a:r>
+              <a:rPr lang="en-GB" dirty="0">
+                <a:hlinkClick r:id="rId7" tooltip="Random-access memory"/>
+              </a:rPr>
+              <a:t>RAM</a:t>
+            </a:r>
+            <a:r>
+              <a:rPr lang="en-GB" dirty="0"/>
+              <a:t> at 900 MHz</a:t>
+            </a:r>
+          </a:p>
+          <a:p>
+            <a:r>
+              <a:rPr lang="en-US" dirty="0"/>
+              <a:t>Storage:	MicroSD card</a:t>
+            </a:r>
+          </a:p>
+          <a:p>
+            <a:r>
+              <a:rPr lang="en-US" dirty="0"/>
+              <a:t>Graphic:	Broadcom </a:t>
+            </a:r>
+            <a:r>
+              <a:rPr lang="en-US" dirty="0" err="1"/>
+              <a:t>VideoCore</a:t>
+            </a:r>
+            <a:endParaRPr lang="en-US" dirty="0"/>
+          </a:p>
+          <a:p>
+            <a:r>
+              <a:rPr lang="en-US" dirty="0"/>
+              <a:t>Port:		4USB, HDMI, LAN, camera, display</a:t>
+            </a:r>
+          </a:p>
+          <a:p>
+            <a:r>
+              <a:rPr lang="en-US" dirty="0"/>
+              <a:t>Network:	LAN, </a:t>
+            </a:r>
+            <a:r>
+              <a:rPr lang="en-US" dirty="0" err="1"/>
+              <a:t>Wifi</a:t>
+            </a:r>
+            <a:r>
+              <a:rPr lang="en-US" dirty="0"/>
+              <a:t>, Bluetooth</a:t>
+            </a:r>
+          </a:p>
+          <a:p>
+            <a:r>
+              <a:rPr lang="en-US" dirty="0"/>
+              <a:t>IO pins:	40 pins (digital 3.3V)</a:t>
+            </a:r>
+          </a:p>
+        </p:txBody>
+      </p:sp>
+      <p:pic>
+        <p:nvPicPr>
+          <p:cNvPr id="5" name="Picture 4"/>
+          <p:cNvPicPr>
+            <a:picLocks noChangeAspect="1"/>
+          </p:cNvPicPr>
+          <p:nvPr/>
+        </p:nvPicPr>
+        <p:blipFill>
+          <a:blip r:embed="rId8"/>
+          <a:stretch>
+            <a:fillRect/>
+          </a:stretch>
+        </p:blipFill>
+        <p:spPr>
+          <a:xfrm>
+            <a:off x="6358628" y="1736835"/>
+            <a:ext cx="5833372" cy="3966693"/>
+          </a:xfrm>
+          <a:prstGeom prst="rect">
+            <a:avLst/>
+          </a:prstGeom>
+        </p:spPr>
+      </p:pic>
+    </p:spTree>
+    <p:extLst>
+      <p:ext uri="{BB962C8B-B14F-4D97-AF65-F5344CB8AC3E}">
+        <p14:creationId xmlns:p14="http://schemas.microsoft.com/office/powerpoint/2010/main" val="343063369"/>
+      </p:ext>
+    </p:extLst>
+  </p:cSld>
+  <p:clrMapOvr>
+    <a:masterClrMapping/>
+  </p:clrMapOvr>
+</p:sld>
+</file>
+
+<file path=ppt/slides/slide4.xml><?xml version="1.0" encoding="utf-8"?>
+<p:sld xmlns:a="http://schemas.openxmlformats.org/drawingml/2006/main" xmlns:r="http://schemas.openxmlformats.org/officeDocument/2006/relationships" xmlns:p="http://schemas.openxmlformats.org/presentationml/2006/main">
+  <p:cSld>
+    <p:spTree>
+      <p:nvGrpSpPr>
+        <p:cNvPr id="1" name=""/>
+        <p:cNvGrpSpPr/>
+        <p:nvPr/>
+      </p:nvGrpSpPr>
+      <p:grpSpPr>
+        <a:xfrm>
+          <a:off x="0" y="0"/>
+          <a:ext cx="0" cy="0"/>
+          <a:chOff x="0" y="0"/>
+          <a:chExt cx="0" cy="0"/>
+        </a:xfrm>
+      </p:grpSpPr>
+      <p:sp useBgFill="1">
+        <p:nvSpPr>
+          <p:cNvPr id="6" name="Rectangle 5"/>
           <p:cNvSpPr>
             <a:spLocks noGrp="1" noRot="1" noChangeAspect="1" noMove="1" noResize="1" noEditPoints="1" noAdjustHandles="1" noChangeArrowheads="1" noChangeShapeType="1" noTextEdit="1"/>
           </p:cNvSpPr>
@@ -8225,7 +11152,7 @@
       </p:sp>
       <p:sp>
         <p:nvSpPr>
-          <p:cNvPr id="12" name="Rectangle 11"/>
+          <p:cNvPr id="7" name="Rectangle 6"/>
           <p:cNvSpPr>
             <a:spLocks noGrp="1" noRot="1" noChangeAspect="1" noMove="1" noResize="1" noEditPoints="1" noAdjustHandles="1" noChangeArrowheads="1" noChangeShapeType="1" noTextEdit="1"/>
           </p:cNvSpPr>
@@ -8270,7 +11197,7 @@
       </p:sp>
       <p:sp>
         <p:nvSpPr>
-          <p:cNvPr id="13" name="Freeform 11"/>
+          <p:cNvPr id="8" name="Freeform 11"/>
           <p:cNvSpPr>
             <a:spLocks noGrp="1" noRot="1" noChangeAspect="1" noMove="1" noResize="1" noEditPoints="1" noAdjustHandles="1" noChangeArrowheads="1" noChangeShapeType="1" noTextEdit="1"/>
           </p:cNvSpPr>
@@ -8478,21 +11405,22 @@
       </p:sp>
       <p:pic>
         <p:nvPicPr>
-          <p:cNvPr id="6" name="Content Placeholder 3"/>
+          <p:cNvPr id="4" name="Picture 3"/>
           <p:cNvPicPr>
             <a:picLocks noChangeAspect="1"/>
           </p:cNvPicPr>
           <p:nvPr/>
         </p:nvPicPr>
-        <p:blipFill rotWithShape="1">
+        <p:blipFill>
           <a:blip r:embed="rId2"/>
-          <a:srcRect l="436" r="278" b="-1"/>
-          <a:stretch/>
+          <a:stretch>
+            <a:fillRect/>
+          </a:stretch>
         </p:blipFill>
         <p:spPr>
           <a:xfrm>
-            <a:off x="5238423" y="640080"/>
-            <a:ext cx="6953577" cy="5252773"/>
+            <a:off x="4619543" y="884867"/>
+            <a:ext cx="7572457" cy="5187132"/>
           </a:xfrm>
           <a:prstGeom prst="rect">
             <a:avLst/>
@@ -8521,17 +11449,22 @@
           </a:bodyPr>
           <a:lstStyle/>
           <a:p>
-            <a:r>
-              <a:rPr lang="en-US" sz="3300"/>
-              <a:t>GPIO: Tutorial 2: take a picture </a:t>
-            </a:r>
-            <a:endParaRPr lang="en-GB" sz="3300"/>
+            <a:pPr>
+              <a:lnSpc>
+                <a:spcPct val="90000"/>
+              </a:lnSpc>
+            </a:pPr>
+            <a:r>
+              <a:rPr lang="en-US" sz="3100"/>
+              <a:t>General purpose Input / Output Pin</a:t>
+            </a:r>
+            <a:endParaRPr lang="en-GB" sz="3100"/>
           </a:p>
         </p:txBody>
       </p:sp>
       <p:sp>
         <p:nvSpPr>
-          <p:cNvPr id="8" name="Content Placeholder 7"/>
+          <p:cNvPr id="3" name="Content Placeholder 2"/>
           <p:cNvSpPr>
             <a:spLocks noGrp="1"/>
           </p:cNvSpPr>
@@ -8541,8 +11474,8 @@
         </p:nvSpPr>
         <p:spPr>
           <a:xfrm>
-            <a:off x="649225" y="2133600"/>
-            <a:ext cx="4589198" cy="3759253"/>
+            <a:off x="712023" y="1798750"/>
+            <a:ext cx="3650278" cy="4273249"/>
           </a:xfrm>
         </p:spPr>
         <p:txBody>
@@ -8553,19 +11486,47 @@
           <a:p>
             <a:r>
               <a:rPr lang="en-US" dirty="0"/>
-              <a:t>Load the program</a:t>
+              <a:t>GPIO make a raspberry pi a control circuit despite being a computer</a:t>
             </a:r>
           </a:p>
           <a:p>
             <a:r>
               <a:rPr lang="en-US" dirty="0"/>
-              <a:t>Take a picture,</a:t>
+              <a:t>GPIO work with 3.3V</a:t>
             </a:r>
           </a:p>
           <a:p>
             <a:r>
               <a:rPr lang="en-US" dirty="0"/>
-              <a:t>SCP to computer and see it.</a:t>
+              <a:t>Each pin as Pull up and down resistors</a:t>
+            </a:r>
+          </a:p>
+          <a:p>
+            <a:r>
+              <a:rPr lang="en-US" dirty="0"/>
+              <a:t>17 I/O digital pins</a:t>
+            </a:r>
+          </a:p>
+          <a:p>
+            <a:r>
+              <a:rPr lang="en-US" dirty="0"/>
+              <a:t>5 SPI pins</a:t>
+            </a:r>
+          </a:p>
+          <a:p>
+            <a:r>
+              <a:rPr lang="en-US" dirty="0"/>
+              <a:t>2 I2C pins</a:t>
+            </a:r>
+          </a:p>
+          <a:p>
+            <a:r>
+              <a:rPr lang="en-US" dirty="0">
+                <a:solidFill>
+                  <a:srgbClr val="FF0000"/>
+                </a:solidFill>
+              </a:rPr>
+              <a:t>https://pinout.xyz/</a:t>
             </a:r>
           </a:p>
         </p:txBody>
@@ -8573,7 +11534,7 @@
     </p:spTree>
     <p:extLst>
       <p:ext uri="{BB962C8B-B14F-4D97-AF65-F5344CB8AC3E}">
-        <p14:creationId xmlns:p14="http://schemas.microsoft.com/office/powerpoint/2010/main" val="1737913824"/>
+        <p14:creationId xmlns:p14="http://schemas.microsoft.com/office/powerpoint/2010/main" val="651269870"/>
       </p:ext>
     </p:extLst>
   </p:cSld>
@@ -8583,128 +11544,7 @@
 </p:sld>
 </file>
 
-<file path=ppt/slides/slide12.xml><?xml version="1.0" encoding="utf-8"?>
-<p:sld xmlns:a="http://schemas.openxmlformats.org/drawingml/2006/main" xmlns:r="http://schemas.openxmlformats.org/officeDocument/2006/relationships" xmlns:p="http://schemas.openxmlformats.org/presentationml/2006/main">
-  <p:cSld>
-    <p:spTree>
-      <p:nvGrpSpPr>
-        <p:cNvPr id="1" name=""/>
-        <p:cNvGrpSpPr/>
-        <p:nvPr/>
-      </p:nvGrpSpPr>
-      <p:grpSpPr>
-        <a:xfrm>
-          <a:off x="0" y="0"/>
-          <a:ext cx="0" cy="0"/>
-          <a:chOff x="0" y="0"/>
-          <a:chExt cx="0" cy="0"/>
-        </a:xfrm>
-      </p:grpSpPr>
-      <p:sp>
-        <p:nvSpPr>
-          <p:cNvPr id="2" name="Title 1"/>
-          <p:cNvSpPr>
-            <a:spLocks noGrp="1"/>
-          </p:cNvSpPr>
-          <p:nvPr>
-            <p:ph type="title"/>
-          </p:nvPr>
-        </p:nvSpPr>
-        <p:spPr>
-          <a:xfrm>
-            <a:off x="1609859" y="624110"/>
-            <a:ext cx="9894753" cy="715293"/>
-          </a:xfrm>
-        </p:spPr>
-        <p:txBody>
-          <a:bodyPr/>
-          <a:lstStyle/>
-          <a:p>
-            <a:r>
-              <a:rPr lang="en-US" dirty="0"/>
-              <a:t>Reference:</a:t>
-            </a:r>
-            <a:endParaRPr lang="en-GB" dirty="0"/>
-          </a:p>
-        </p:txBody>
-      </p:sp>
-      <p:sp>
-        <p:nvSpPr>
-          <p:cNvPr id="3" name="Content Placeholder 2"/>
-          <p:cNvSpPr>
-            <a:spLocks noGrp="1"/>
-          </p:cNvSpPr>
-          <p:nvPr>
-            <p:ph idx="1"/>
-          </p:nvPr>
-        </p:nvSpPr>
-        <p:spPr>
-          <a:xfrm>
-            <a:off x="1609859" y="1339403"/>
-            <a:ext cx="8915400" cy="3777622"/>
-          </a:xfrm>
-        </p:spPr>
-        <p:txBody>
-          <a:bodyPr/>
-          <a:lstStyle/>
-          <a:p>
-            <a:r>
-              <a:rPr lang="en-GB" dirty="0">
-                <a:hlinkClick r:id="rId2"/>
-              </a:rPr>
-              <a:t>https://pinout.xyz/</a:t>
-            </a:r>
-            <a:endParaRPr lang="en-GB" dirty="0"/>
-          </a:p>
-          <a:p>
-            <a:r>
-              <a:rPr lang="en-GB" dirty="0">
-                <a:hlinkClick r:id="rId3"/>
-              </a:rPr>
-              <a:t>https://learn.sparkfun.com/tutorials/raspberry-gpio</a:t>
-            </a:r>
-            <a:endParaRPr lang="en-GB" dirty="0"/>
-          </a:p>
-          <a:p>
-            <a:r>
-              <a:rPr lang="en-GB" dirty="0">
-                <a:hlinkClick r:id="rId4"/>
-              </a:rPr>
-              <a:t>http://wiringpi.com/</a:t>
-            </a:r>
-            <a:endParaRPr lang="en-GB" dirty="0"/>
-          </a:p>
-          <a:p>
-            <a:r>
-              <a:rPr lang="en-GB" dirty="0">
-                <a:hlinkClick r:id="rId5"/>
-              </a:rPr>
-              <a:t>https://www.raspberrypi.org/learning/getting-started-with-picamera/worksheet/</a:t>
-            </a:r>
-            <a:endParaRPr lang="en-GB" dirty="0"/>
-          </a:p>
-          <a:p>
-            <a:r>
-              <a:rPr lang="en-GB" dirty="0"/>
-              <a:t>http://www.instructables.com/id/Read-and-write-from-serial-port-with-Raspberry-Pi/</a:t>
-            </a:r>
-          </a:p>
-        </p:txBody>
-      </p:sp>
-    </p:spTree>
-    <p:extLst>
-      <p:ext uri="{BB962C8B-B14F-4D97-AF65-F5344CB8AC3E}">
-        <p14:creationId xmlns:p14="http://schemas.microsoft.com/office/powerpoint/2010/main" val="3287161935"/>
-      </p:ext>
-    </p:extLst>
-  </p:cSld>
-  <p:clrMapOvr>
-    <a:masterClrMapping/>
-  </p:clrMapOvr>
-</p:sld>
-</file>
-
-<file path=ppt/slides/slide2.xml><?xml version="1.0" encoding="utf-8"?>
+<file path=ppt/slides/slide5.xml><?xml version="1.0" encoding="utf-8"?>
 <p:sld xmlns:a="http://schemas.openxmlformats.org/drawingml/2006/main" xmlns:r="http://schemas.openxmlformats.org/officeDocument/2006/relationships" xmlns:p="http://schemas.openxmlformats.org/presentationml/2006/main">
   <p:cSld>
     <p:spTree>
@@ -8723,21 +11563,22 @@
       </p:grpSpPr>
       <p:pic>
         <p:nvPicPr>
-          <p:cNvPr id="8" name="Content Placeholder 4"/>
+          <p:cNvPr id="7" name="Picture 6"/>
           <p:cNvPicPr>
             <a:picLocks noChangeAspect="1"/>
           </p:cNvPicPr>
           <p:nvPr/>
         </p:nvPicPr>
-        <p:blipFill rotWithShape="1">
+        <p:blipFill>
           <a:blip r:embed="rId2"/>
-          <a:srcRect l="874" r="4592" b="1"/>
-          <a:stretch/>
+          <a:stretch>
+            <a:fillRect/>
+          </a:stretch>
         </p:blipFill>
         <p:spPr>
           <a:xfrm>
-            <a:off x="7675808" y="1416676"/>
-            <a:ext cx="4060918" cy="3909048"/>
+            <a:off x="8371268" y="-1"/>
+            <a:ext cx="2691066" cy="1978007"/>
           </a:xfrm>
           <a:prstGeom prst="rect">
             <a:avLst/>
@@ -8756,8 +11597,70 @@
         </p:nvSpPr>
         <p:spPr>
           <a:xfrm>
-            <a:off x="1687669" y="624110"/>
-            <a:ext cx="6335869" cy="612262"/>
+            <a:off x="1532586" y="624110"/>
+            <a:ext cx="5718219" cy="625141"/>
+          </a:xfrm>
+        </p:spPr>
+        <p:txBody>
+          <a:bodyPr>
+            <a:normAutofit fontScale="90000"/>
+          </a:bodyPr>
+          <a:lstStyle/>
+          <a:p>
+            <a:r>
+              <a:rPr lang="en-US" dirty="0" err="1"/>
+              <a:t>RaspBerry</a:t>
+            </a:r>
+            <a:r>
+              <a:rPr lang="en-US" dirty="0"/>
+              <a:t> Pi vs Arduino</a:t>
+            </a:r>
+            <a:endParaRPr lang="en-GB" dirty="0"/>
+          </a:p>
+        </p:txBody>
+      </p:sp>
+      <p:sp>
+        <p:nvSpPr>
+          <p:cNvPr id="3" name="Text Placeholder 2"/>
+          <p:cNvSpPr>
+            <a:spLocks noGrp="1"/>
+          </p:cNvSpPr>
+          <p:nvPr>
+            <p:ph type="body" idx="1"/>
+          </p:nvPr>
+        </p:nvSpPr>
+        <p:spPr>
+          <a:xfrm>
+            <a:off x="1532586" y="1249251"/>
+            <a:ext cx="3992732" cy="576262"/>
+          </a:xfrm>
+        </p:spPr>
+        <p:txBody>
+          <a:bodyPr/>
+          <a:lstStyle/>
+          <a:p>
+            <a:r>
+              <a:rPr lang="en-US" dirty="0"/>
+              <a:t>Raspberry Pi</a:t>
+            </a:r>
+            <a:endParaRPr lang="en-GB" dirty="0"/>
+          </a:p>
+        </p:txBody>
+      </p:sp>
+      <p:sp>
+        <p:nvSpPr>
+          <p:cNvPr id="4" name="Content Placeholder 3"/>
+          <p:cNvSpPr>
+            <a:spLocks noGrp="1"/>
+          </p:cNvSpPr>
+          <p:nvPr>
+            <p:ph sz="half" idx="2"/>
+          </p:nvPr>
+        </p:nvSpPr>
+        <p:spPr>
+          <a:xfrm>
+            <a:off x="1532586" y="1874392"/>
+            <a:ext cx="4982877" cy="3882464"/>
           </a:xfrm>
         </p:spPr>
         <p:txBody>
@@ -8767,27 +11670,127 @@
           <a:lstStyle/>
           <a:p>
             <a:r>
-              <a:rPr lang="en-US" sz="3200" dirty="0"/>
-              <a:t>What is a Raspberry Pi?</a:t>
-            </a:r>
-            <a:endParaRPr lang="en-GB" sz="3200" dirty="0"/>
+              <a:rPr lang="en-US" b="1" dirty="0"/>
+              <a:t>CPU: 	ARM 1.2GHz		RAM:	1GB</a:t>
+            </a:r>
+          </a:p>
+          <a:p>
+            <a:r>
+              <a:rPr lang="en-US" b="1" dirty="0"/>
+              <a:t>Memory:	MicroSD card</a:t>
+            </a:r>
+          </a:p>
+          <a:p>
+            <a:r>
+              <a:rPr lang="en-US" b="1" dirty="0"/>
+              <a:t>IO Pin:	40 (digital only) </a:t>
+            </a:r>
+            <a:r>
+              <a:rPr lang="en-US" b="1" dirty="0">
+                <a:solidFill>
+                  <a:srgbClr val="FF0000"/>
+                </a:solidFill>
+              </a:rPr>
+              <a:t>3.3V</a:t>
+            </a:r>
+          </a:p>
+          <a:p>
+            <a:r>
+              <a:rPr lang="en-US" b="1" dirty="0"/>
+              <a:t>Software: LINUX ( </a:t>
+            </a:r>
+            <a:r>
+              <a:rPr lang="en-US" b="1" dirty="0" err="1"/>
+              <a:t>Debian</a:t>
+            </a:r>
+            <a:r>
+              <a:rPr lang="en-US" b="1" dirty="0"/>
+              <a:t>-based)</a:t>
+            </a:r>
+          </a:p>
+          <a:p>
+            <a:r>
+              <a:rPr lang="en-US" b="1" dirty="0"/>
+              <a:t>Price:	More expensive (35USD)</a:t>
+            </a:r>
+          </a:p>
+          <a:p>
+            <a:pPr algn="just"/>
+            <a:r>
+              <a:rPr lang="en-US" b="1" dirty="0">
+                <a:solidFill>
+                  <a:srgbClr val="00B050"/>
+                </a:solidFill>
+              </a:rPr>
+              <a:t>Good</a:t>
+            </a:r>
+            <a:r>
+              <a:rPr lang="en-US" dirty="0"/>
+              <a:t>:	compact computer with all features &amp; connection, fast, more memory for intensive computational process, low-voltage IOT project.</a:t>
+            </a:r>
+          </a:p>
+          <a:p>
+            <a:pPr algn="just"/>
+            <a:r>
+              <a:rPr lang="en-US" b="1" dirty="0">
+                <a:solidFill>
+                  <a:srgbClr val="FF0000"/>
+                </a:solidFill>
+              </a:rPr>
+              <a:t>Bad</a:t>
+            </a:r>
+            <a:r>
+              <a:rPr lang="en-US" dirty="0"/>
+              <a:t>:		Low voltage(3.3V), lack of analog process, </a:t>
+            </a:r>
+          </a:p>
+          <a:p>
+            <a:endParaRPr lang="en-GB" dirty="0"/>
           </a:p>
         </p:txBody>
       </p:sp>
       <p:sp>
         <p:nvSpPr>
-          <p:cNvPr id="10" name="Content Placeholder 8"/>
+          <p:cNvPr id="5" name="Text Placeholder 4"/>
           <p:cNvSpPr>
             <a:spLocks noGrp="1"/>
           </p:cNvSpPr>
           <p:nvPr>
-            <p:ph idx="1"/>
+            <p:ph type="body" sz="quarter" idx="3"/>
           </p:nvPr>
         </p:nvSpPr>
         <p:spPr>
           <a:xfrm>
-            <a:off x="1683955" y="1416676"/>
-            <a:ext cx="5888821" cy="4494546"/>
+            <a:off x="6515464" y="1249251"/>
+            <a:ext cx="3999001" cy="576262"/>
+          </a:xfrm>
+        </p:spPr>
+        <p:txBody>
+          <a:bodyPr/>
+          <a:lstStyle/>
+          <a:p>
+            <a:r>
+              <a:rPr lang="en-US" dirty="0"/>
+              <a:t>Arduino</a:t>
+            </a:r>
+            <a:endParaRPr lang="en-GB" dirty="0"/>
+          </a:p>
+        </p:txBody>
+      </p:sp>
+      <p:sp>
+        <p:nvSpPr>
+          <p:cNvPr id="6" name="Content Placeholder 5"/>
+          <p:cNvSpPr>
+            <a:spLocks noGrp="1"/>
+          </p:cNvSpPr>
+          <p:nvPr>
+            <p:ph sz="quarter" idx="4"/>
+          </p:nvPr>
+        </p:nvSpPr>
+        <p:spPr>
+          <a:xfrm>
+            <a:off x="6515463" y="1874392"/>
+            <a:ext cx="4989147" cy="3882464"/>
           </a:xfrm>
         </p:spPr>
         <p:txBody>
@@ -8797,71 +11800,82 @@
           <a:lstStyle/>
           <a:p>
             <a:r>
-              <a:rPr lang="en-US" sz="1600" dirty="0">
+              <a:rPr lang="en-US" b="1" dirty="0"/>
+              <a:t>CPU:  	16MHz		RAM:	2KB</a:t>
+            </a:r>
+          </a:p>
+          <a:p>
+            <a:r>
+              <a:rPr lang="en-US" b="1" dirty="0"/>
+              <a:t>Memory:	Built-in flash memory (32KB)</a:t>
+            </a:r>
+          </a:p>
+          <a:p>
+            <a:r>
+              <a:rPr lang="en-US" b="1" dirty="0"/>
+              <a:t>IO Pin: 	 20 (both Digital &amp; Analog) </a:t>
+            </a:r>
+            <a:r>
+              <a:rPr lang="en-US" b="1" dirty="0">
                 <a:solidFill>
-                  <a:srgbClr val="000000"/>
+                  <a:srgbClr val="FF0000"/>
                 </a:solidFill>
               </a:rPr>
-              <a:t>A credit card-sized single-board which run as a portable computer with LINUX and a bunch of I/O pins</a:t>
-            </a:r>
-          </a:p>
-          <a:p>
-            <a:r>
-              <a:rPr lang="en-US" sz="1600" dirty="0">
+              <a:t>5V</a:t>
+            </a:r>
+          </a:p>
+          <a:p>
+            <a:r>
+              <a:rPr lang="en-US" b="1" dirty="0"/>
+              <a:t>Software: NO</a:t>
+            </a:r>
+          </a:p>
+          <a:p>
+            <a:r>
+              <a:rPr lang="en-US" b="1" dirty="0"/>
+              <a:t>Price:	Cheap</a:t>
+            </a:r>
+          </a:p>
+          <a:p>
+            <a:pPr algn="just"/>
+            <a:r>
+              <a:rPr lang="en-US" b="1" dirty="0">
                 <a:solidFill>
-                  <a:srgbClr val="000000"/>
+                  <a:srgbClr val="00B050"/>
                 </a:solidFill>
               </a:rPr>
-              <a:t>Use to promote low-cost computer science education, prototyping for IOT and electrical projects, and many more applications</a:t>
-            </a:r>
-          </a:p>
-          <a:p>
-            <a:r>
-              <a:rPr lang="en-US" sz="1600" dirty="0">
+              <a:t>Good</a:t>
+            </a:r>
+            <a:r>
+              <a:rPr lang="en-US" dirty="0"/>
+              <a:t>:	Control electrical component (sensor, motors…), work with digital and analog signals, making robot, prototyping IOT</a:t>
+            </a:r>
+          </a:p>
+          <a:p>
+            <a:pPr algn="just"/>
+            <a:r>
+              <a:rPr lang="en-US" b="1" dirty="0">
                 <a:solidFill>
-                  <a:srgbClr val="000000"/>
+                  <a:srgbClr val="FF0000"/>
                 </a:solidFill>
               </a:rPr>
-              <a:t>Several generation:</a:t>
-            </a:r>
-          </a:p>
-          <a:p>
-            <a:pPr lvl="1"/>
-            <a:r>
-              <a:rPr lang="it-IT" dirty="0"/>
-              <a:t>Raspberry Pi 1 Model B (First)</a:t>
-            </a:r>
-          </a:p>
-          <a:p>
-            <a:pPr lvl="1"/>
-            <a:r>
-              <a:rPr lang="en-GB" dirty="0"/>
-              <a:t>Raspberry Pi 2</a:t>
-            </a:r>
-          </a:p>
-          <a:p>
-            <a:pPr lvl="1"/>
-            <a:r>
-              <a:rPr lang="it-IT" dirty="0"/>
-              <a:t>Raspberry Pi 3 Model B (newest)</a:t>
-            </a:r>
-          </a:p>
-          <a:p>
-            <a:r>
-              <a:rPr lang="it-IT" sz="1600" dirty="0">
-                <a:solidFill>
-                  <a:srgbClr val="000000"/>
-                </a:solidFill>
-              </a:rPr>
-              <a:t>Operation System: LINUX Raspbian (Debian)</a:t>
-            </a:r>
+              <a:t>Bad</a:t>
+            </a:r>
+            <a:r>
+              <a:rPr lang="en-US" dirty="0"/>
+              <a:t>:		Slow, low memory, limit computational power.</a:t>
+            </a:r>
+            <a:endParaRPr lang="en-GB" dirty="0"/>
+          </a:p>
+          <a:p>
+            <a:endParaRPr lang="en-GB" dirty="0"/>
           </a:p>
         </p:txBody>
       </p:sp>
     </p:spTree>
     <p:extLst>
       <p:ext uri="{BB962C8B-B14F-4D97-AF65-F5344CB8AC3E}">
-        <p14:creationId xmlns:p14="http://schemas.microsoft.com/office/powerpoint/2010/main" val="3085265959"/>
+        <p14:creationId xmlns:p14="http://schemas.microsoft.com/office/powerpoint/2010/main" val="1179615128"/>
       </p:ext>
     </p:extLst>
   </p:cSld>
@@ -8871,230 +11885,7 @@
 </p:sld>
 </file>
 
-<file path=ppt/slides/slide3.xml><?xml version="1.0" encoding="utf-8"?>
-<p:sld xmlns:a="http://schemas.openxmlformats.org/drawingml/2006/main" xmlns:r="http://schemas.openxmlformats.org/officeDocument/2006/relationships" xmlns:p="http://schemas.openxmlformats.org/presentationml/2006/main">
-  <p:cSld>
-    <p:spTree>
-      <p:nvGrpSpPr>
-        <p:cNvPr id="1" name=""/>
-        <p:cNvGrpSpPr/>
-        <p:nvPr/>
-      </p:nvGrpSpPr>
-      <p:grpSpPr>
-        <a:xfrm>
-          <a:off x="0" y="0"/>
-          <a:ext cx="0" cy="0"/>
-          <a:chOff x="0" y="0"/>
-          <a:chExt cx="0" cy="0"/>
-        </a:xfrm>
-      </p:grpSpPr>
-      <p:sp>
-        <p:nvSpPr>
-          <p:cNvPr id="2" name="Title 1"/>
-          <p:cNvSpPr>
-            <a:spLocks noGrp="1"/>
-          </p:cNvSpPr>
-          <p:nvPr>
-            <p:ph type="title"/>
-          </p:nvPr>
-        </p:nvSpPr>
-        <p:spPr>
-          <a:xfrm>
-            <a:off x="1558345" y="624110"/>
-            <a:ext cx="9946268" cy="650898"/>
-          </a:xfrm>
-        </p:spPr>
-        <p:txBody>
-          <a:bodyPr/>
-          <a:lstStyle/>
-          <a:p>
-            <a:r>
-              <a:rPr lang="en-US" dirty="0"/>
-              <a:t>System specification (Rasp 3 model B)</a:t>
-            </a:r>
-            <a:endParaRPr lang="en-GB" dirty="0"/>
-          </a:p>
-        </p:txBody>
-      </p:sp>
-      <p:sp>
-        <p:nvSpPr>
-          <p:cNvPr id="3" name="Content Placeholder 2"/>
-          <p:cNvSpPr>
-            <a:spLocks noGrp="1"/>
-          </p:cNvSpPr>
-          <p:nvPr>
-            <p:ph idx="1"/>
-          </p:nvPr>
-        </p:nvSpPr>
-        <p:spPr>
-          <a:xfrm>
-            <a:off x="863443" y="1275008"/>
-            <a:ext cx="5550236" cy="3777622"/>
-          </a:xfrm>
-        </p:spPr>
-        <p:txBody>
-          <a:bodyPr/>
-          <a:lstStyle/>
-          <a:p>
-            <a:r>
-              <a:rPr lang="en-US" dirty="0"/>
-              <a:t>CPU:		</a:t>
-            </a:r>
-            <a:r>
-              <a:rPr lang="en-GB" dirty="0"/>
-              <a:t>1.2 </a:t>
-            </a:r>
-            <a:r>
-              <a:rPr lang="en-GB" dirty="0">
-                <a:hlinkClick r:id="rId2" tooltip="Hertz"/>
-              </a:rPr>
-              <a:t>GHz</a:t>
-            </a:r>
-            <a:r>
-              <a:rPr lang="en-GB" dirty="0"/>
-              <a:t> </a:t>
-            </a:r>
-            <a:r>
-              <a:rPr lang="en-GB" dirty="0">
-                <a:hlinkClick r:id="rId3" tooltip="Multi-core processor"/>
-              </a:rPr>
-              <a:t>quad-core</a:t>
-            </a:r>
-            <a:r>
-              <a:rPr lang="en-GB" dirty="0"/>
-              <a:t> </a:t>
-            </a:r>
-            <a:r>
-              <a:rPr lang="en-GB" dirty="0">
-                <a:hlinkClick r:id="rId4" tooltip="ARM Cortex-A53"/>
-              </a:rPr>
-              <a:t>ARM Cortex-A53</a:t>
-            </a:r>
-            <a:endParaRPr lang="en-GB" dirty="0"/>
-          </a:p>
-          <a:p>
-            <a:r>
-              <a:rPr lang="en-US" dirty="0"/>
-              <a:t>RAM:	</a:t>
-            </a:r>
-            <a:r>
-              <a:rPr lang="en-GB" dirty="0"/>
-              <a:t>1 </a:t>
-            </a:r>
-            <a:r>
-              <a:rPr lang="en-GB" dirty="0">
-                <a:hlinkClick r:id="rId5" tooltip="Gibibyte"/>
-              </a:rPr>
-              <a:t>GB</a:t>
-            </a:r>
-            <a:r>
-              <a:rPr lang="en-GB" dirty="0"/>
-              <a:t> </a:t>
-            </a:r>
-            <a:r>
-              <a:rPr lang="en-GB" dirty="0">
-                <a:hlinkClick r:id="rId6" tooltip="Mobile DDR"/>
-              </a:rPr>
-              <a:t>LPDDR2</a:t>
-            </a:r>
-            <a:r>
-              <a:rPr lang="en-GB" dirty="0"/>
-              <a:t> </a:t>
-            </a:r>
-            <a:r>
-              <a:rPr lang="en-GB" dirty="0">
-                <a:hlinkClick r:id="rId7" tooltip="Random-access memory"/>
-              </a:rPr>
-              <a:t>RAM</a:t>
-            </a:r>
-            <a:r>
-              <a:rPr lang="en-GB" dirty="0"/>
-              <a:t> at 900 MHz</a:t>
-            </a:r>
-          </a:p>
-          <a:p>
-            <a:r>
-              <a:rPr lang="en-US" dirty="0"/>
-              <a:t>Storage:	MicroSD card</a:t>
-            </a:r>
-          </a:p>
-          <a:p>
-            <a:r>
-              <a:rPr lang="en-US" dirty="0"/>
-              <a:t>Graphic:	Broadcom </a:t>
-            </a:r>
-            <a:r>
-              <a:rPr lang="en-US" dirty="0" err="1"/>
-              <a:t>VideoCore</a:t>
-            </a:r>
-            <a:endParaRPr lang="en-US" dirty="0"/>
-          </a:p>
-          <a:p>
-            <a:r>
-              <a:rPr lang="en-US" dirty="0"/>
-              <a:t>Port:		4USB, HDMI, LAN, camera, display</a:t>
-            </a:r>
-          </a:p>
-          <a:p>
-            <a:r>
-              <a:rPr lang="en-US" dirty="0"/>
-              <a:t>Network:	LAN, </a:t>
-            </a:r>
-            <a:r>
-              <a:rPr lang="en-US" dirty="0" err="1"/>
-              <a:t>Wifi</a:t>
-            </a:r>
-            <a:r>
-              <a:rPr lang="en-US" dirty="0"/>
-              <a:t>, Bluetooth</a:t>
-            </a:r>
-          </a:p>
-          <a:p>
-            <a:r>
-              <a:rPr lang="en-US" dirty="0"/>
-              <a:t>IO pins:	40 pins (digital 3.3V)</a:t>
-            </a:r>
-          </a:p>
-        </p:txBody>
-      </p:sp>
-      <p:pic>
-        <p:nvPicPr>
-          <p:cNvPr id="5" name="Picture 4"/>
-          <p:cNvPicPr>
-            <a:picLocks noChangeAspect="1"/>
-          </p:cNvPicPr>
-          <p:nvPr/>
-        </p:nvPicPr>
-        <p:blipFill>
-          <a:blip r:embed="rId8"/>
-          <a:stretch>
-            <a:fillRect/>
-          </a:stretch>
-        </p:blipFill>
-        <p:spPr>
-          <a:xfrm>
-            <a:off x="6358628" y="1736835"/>
-            <a:ext cx="5833372" cy="3966693"/>
-          </a:xfrm>
-          <a:prstGeom prst="rect">
-            <a:avLst/>
-          </a:prstGeom>
-        </p:spPr>
-      </p:pic>
-    </p:spTree>
-    <p:extLst>
-      <p:ext uri="{BB962C8B-B14F-4D97-AF65-F5344CB8AC3E}">
-        <p14:creationId xmlns:p14="http://schemas.microsoft.com/office/powerpoint/2010/main" val="343063369"/>
-      </p:ext>
-    </p:extLst>
-  </p:cSld>
-  <p:clrMapOvr>
-    <a:masterClrMapping/>
-  </p:clrMapOvr>
-</p:sld>
-</file>
-
-<file path=ppt/slides/slide4.xml><?xml version="1.0" encoding="utf-8"?>
+<file path=ppt/slides/slide6.xml><?xml version="1.0" encoding="utf-8"?>
 <p:sld xmlns:a="http://schemas.openxmlformats.org/drawingml/2006/main" xmlns:r="http://schemas.openxmlformats.org/officeDocument/2006/relationships" xmlns:p="http://schemas.openxmlformats.org/presentationml/2006/main">
   <p:cSld>
     <p:spTree>
@@ -9423,805 +12214,6 @@
           </p:cNvPicPr>
           <p:nvPr/>
         </p:nvPicPr>
-        <p:blipFill>
-          <a:blip r:embed="rId2"/>
-          <a:stretch>
-            <a:fillRect/>
-          </a:stretch>
-        </p:blipFill>
-        <p:spPr>
-          <a:xfrm>
-            <a:off x="4619543" y="884867"/>
-            <a:ext cx="7572457" cy="5187132"/>
-          </a:xfrm>
-          <a:prstGeom prst="rect">
-            <a:avLst/>
-          </a:prstGeom>
-        </p:spPr>
-      </p:pic>
-      <p:sp>
-        <p:nvSpPr>
-          <p:cNvPr id="2" name="Title 1"/>
-          <p:cNvSpPr>
-            <a:spLocks noGrp="1"/>
-          </p:cNvSpPr>
-          <p:nvPr>
-            <p:ph type="title"/>
-          </p:nvPr>
-        </p:nvSpPr>
-        <p:spPr>
-          <a:xfrm>
-            <a:off x="649224" y="645106"/>
-            <a:ext cx="3650279" cy="1259894"/>
-          </a:xfrm>
-        </p:spPr>
-        <p:txBody>
-          <a:bodyPr>
-            <a:normAutofit/>
-          </a:bodyPr>
-          <a:lstStyle/>
-          <a:p>
-            <a:pPr>
-              <a:lnSpc>
-                <a:spcPct val="90000"/>
-              </a:lnSpc>
-            </a:pPr>
-            <a:r>
-              <a:rPr lang="en-US" sz="3100"/>
-              <a:t>General purpose Input / Output Pin</a:t>
-            </a:r>
-            <a:endParaRPr lang="en-GB" sz="3100"/>
-          </a:p>
-        </p:txBody>
-      </p:sp>
-      <p:sp>
-        <p:nvSpPr>
-          <p:cNvPr id="3" name="Content Placeholder 2"/>
-          <p:cNvSpPr>
-            <a:spLocks noGrp="1"/>
-          </p:cNvSpPr>
-          <p:nvPr>
-            <p:ph idx="1"/>
-          </p:nvPr>
-        </p:nvSpPr>
-        <p:spPr>
-          <a:xfrm>
-            <a:off x="712023" y="1798750"/>
-            <a:ext cx="3650278" cy="4273249"/>
-          </a:xfrm>
-        </p:spPr>
-        <p:txBody>
-          <a:bodyPr>
-            <a:normAutofit/>
-          </a:bodyPr>
-          <a:lstStyle/>
-          <a:p>
-            <a:r>
-              <a:rPr lang="en-US" dirty="0"/>
-              <a:t>GPIO make a raspberry pi a control circuit despite being a computer</a:t>
-            </a:r>
-          </a:p>
-          <a:p>
-            <a:r>
-              <a:rPr lang="en-US" dirty="0"/>
-              <a:t>GPIO work with 3.3V</a:t>
-            </a:r>
-          </a:p>
-          <a:p>
-            <a:r>
-              <a:rPr lang="en-US" dirty="0"/>
-              <a:t>Each pin as Pull up and down resistors</a:t>
-            </a:r>
-          </a:p>
-          <a:p>
-            <a:r>
-              <a:rPr lang="en-US" dirty="0"/>
-              <a:t>17 I/O digital pins</a:t>
-            </a:r>
-          </a:p>
-          <a:p>
-            <a:r>
-              <a:rPr lang="en-US" dirty="0"/>
-              <a:t>5 SPI pins</a:t>
-            </a:r>
-          </a:p>
-          <a:p>
-            <a:r>
-              <a:rPr lang="en-US" dirty="0"/>
-              <a:t>2 I2C pins</a:t>
-            </a:r>
-          </a:p>
-          <a:p>
-            <a:r>
-              <a:rPr lang="en-US" dirty="0">
-                <a:solidFill>
-                  <a:srgbClr val="FF0000"/>
-                </a:solidFill>
-              </a:rPr>
-              <a:t>https://pinout.xyz/</a:t>
-            </a:r>
-          </a:p>
-        </p:txBody>
-      </p:sp>
-    </p:spTree>
-    <p:extLst>
-      <p:ext uri="{BB962C8B-B14F-4D97-AF65-F5344CB8AC3E}">
-        <p14:creationId xmlns:p14="http://schemas.microsoft.com/office/powerpoint/2010/main" val="651269870"/>
-      </p:ext>
-    </p:extLst>
-  </p:cSld>
-  <p:clrMapOvr>
-    <a:masterClrMapping/>
-  </p:clrMapOvr>
-</p:sld>
-</file>
-
-<file path=ppt/slides/slide5.xml><?xml version="1.0" encoding="utf-8"?>
-<p:sld xmlns:a="http://schemas.openxmlformats.org/drawingml/2006/main" xmlns:r="http://schemas.openxmlformats.org/officeDocument/2006/relationships" xmlns:p="http://schemas.openxmlformats.org/presentationml/2006/main">
-  <p:cSld>
-    <p:spTree>
-      <p:nvGrpSpPr>
-        <p:cNvPr id="1" name=""/>
-        <p:cNvGrpSpPr/>
-        <p:nvPr/>
-      </p:nvGrpSpPr>
-      <p:grpSpPr>
-        <a:xfrm>
-          <a:off x="0" y="0"/>
-          <a:ext cx="0" cy="0"/>
-          <a:chOff x="0" y="0"/>
-          <a:chExt cx="0" cy="0"/>
-        </a:xfrm>
-      </p:grpSpPr>
-      <p:pic>
-        <p:nvPicPr>
-          <p:cNvPr id="7" name="Picture 6"/>
-          <p:cNvPicPr>
-            <a:picLocks noChangeAspect="1"/>
-          </p:cNvPicPr>
-          <p:nvPr/>
-        </p:nvPicPr>
-        <p:blipFill>
-          <a:blip r:embed="rId2"/>
-          <a:stretch>
-            <a:fillRect/>
-          </a:stretch>
-        </p:blipFill>
-        <p:spPr>
-          <a:xfrm>
-            <a:off x="8371268" y="-1"/>
-            <a:ext cx="2691066" cy="1978007"/>
-          </a:xfrm>
-          <a:prstGeom prst="rect">
-            <a:avLst/>
-          </a:prstGeom>
-        </p:spPr>
-      </p:pic>
-      <p:sp>
-        <p:nvSpPr>
-          <p:cNvPr id="2" name="Title 1"/>
-          <p:cNvSpPr>
-            <a:spLocks noGrp="1"/>
-          </p:cNvSpPr>
-          <p:nvPr>
-            <p:ph type="title"/>
-          </p:nvPr>
-        </p:nvSpPr>
-        <p:spPr>
-          <a:xfrm>
-            <a:off x="1532587" y="624110"/>
-            <a:ext cx="3992732" cy="625141"/>
-          </a:xfrm>
-        </p:spPr>
-        <p:txBody>
-          <a:bodyPr>
-            <a:normAutofit fontScale="90000"/>
-          </a:bodyPr>
-          <a:lstStyle/>
-          <a:p>
-            <a:r>
-              <a:rPr lang="en-US" dirty="0"/>
-              <a:t>Rasp Pi vs Arduino</a:t>
-            </a:r>
-            <a:endParaRPr lang="en-GB" dirty="0"/>
-          </a:p>
-        </p:txBody>
-      </p:sp>
-      <p:sp>
-        <p:nvSpPr>
-          <p:cNvPr id="3" name="Text Placeholder 2"/>
-          <p:cNvSpPr>
-            <a:spLocks noGrp="1"/>
-          </p:cNvSpPr>
-          <p:nvPr>
-            <p:ph type="body" idx="1"/>
-          </p:nvPr>
-        </p:nvSpPr>
-        <p:spPr>
-          <a:xfrm>
-            <a:off x="1532586" y="1249251"/>
-            <a:ext cx="3992732" cy="576262"/>
-          </a:xfrm>
-        </p:spPr>
-        <p:txBody>
-          <a:bodyPr/>
-          <a:lstStyle/>
-          <a:p>
-            <a:r>
-              <a:rPr lang="en-US" dirty="0"/>
-              <a:t>Raspberry Pi</a:t>
-            </a:r>
-            <a:endParaRPr lang="en-GB" dirty="0"/>
-          </a:p>
-        </p:txBody>
-      </p:sp>
-      <p:sp>
-        <p:nvSpPr>
-          <p:cNvPr id="4" name="Content Placeholder 3"/>
-          <p:cNvSpPr>
-            <a:spLocks noGrp="1"/>
-          </p:cNvSpPr>
-          <p:nvPr>
-            <p:ph sz="half" idx="2"/>
-          </p:nvPr>
-        </p:nvSpPr>
-        <p:spPr>
-          <a:xfrm>
-            <a:off x="1532586" y="1874392"/>
-            <a:ext cx="4982877" cy="3882464"/>
-          </a:xfrm>
-        </p:spPr>
-        <p:txBody>
-          <a:bodyPr>
-            <a:normAutofit/>
-          </a:bodyPr>
-          <a:lstStyle/>
-          <a:p>
-            <a:r>
-              <a:rPr lang="en-US" b="1" dirty="0"/>
-              <a:t>CPU: 	ARM 1.2GHz		RAM:	1GB</a:t>
-            </a:r>
-          </a:p>
-          <a:p>
-            <a:r>
-              <a:rPr lang="en-US" b="1" dirty="0"/>
-              <a:t>Memory:	MicroSD card</a:t>
-            </a:r>
-          </a:p>
-          <a:p>
-            <a:r>
-              <a:rPr lang="en-US" b="1" dirty="0"/>
-              <a:t>IO Pin:	40 (digital only) </a:t>
-            </a:r>
-            <a:r>
-              <a:rPr lang="en-US" b="1" dirty="0">
-                <a:solidFill>
-                  <a:srgbClr val="FF0000"/>
-                </a:solidFill>
-              </a:rPr>
-              <a:t>3.3V</a:t>
-            </a:r>
-          </a:p>
-          <a:p>
-            <a:r>
-              <a:rPr lang="en-US" b="1" dirty="0"/>
-              <a:t>Software: LINUX ( </a:t>
-            </a:r>
-            <a:r>
-              <a:rPr lang="en-US" b="1" dirty="0" err="1"/>
-              <a:t>Debian</a:t>
-            </a:r>
-            <a:r>
-              <a:rPr lang="en-US" b="1" dirty="0"/>
-              <a:t>-based)</a:t>
-            </a:r>
-          </a:p>
-          <a:p>
-            <a:r>
-              <a:rPr lang="en-US" b="1" dirty="0"/>
-              <a:t>Price:	More expensive (35USD)</a:t>
-            </a:r>
-          </a:p>
-          <a:p>
-            <a:pPr algn="just"/>
-            <a:r>
-              <a:rPr lang="en-US" b="1" dirty="0">
-                <a:solidFill>
-                  <a:srgbClr val="00B050"/>
-                </a:solidFill>
-              </a:rPr>
-              <a:t>Good</a:t>
-            </a:r>
-            <a:r>
-              <a:rPr lang="en-US" dirty="0"/>
-              <a:t>:	compact computer with all features &amp; connection, fast, more memory for intensive computational process, low-voltage IOT project.</a:t>
-            </a:r>
-          </a:p>
-          <a:p>
-            <a:pPr algn="just"/>
-            <a:r>
-              <a:rPr lang="en-US" b="1" dirty="0">
-                <a:solidFill>
-                  <a:srgbClr val="FF0000"/>
-                </a:solidFill>
-              </a:rPr>
-              <a:t>Bad</a:t>
-            </a:r>
-            <a:r>
-              <a:rPr lang="en-US" dirty="0"/>
-              <a:t>:		Low voltage(3.3V), lack of analog process, </a:t>
-            </a:r>
-          </a:p>
-          <a:p>
-            <a:endParaRPr lang="en-GB" dirty="0"/>
-          </a:p>
-        </p:txBody>
-      </p:sp>
-      <p:sp>
-        <p:nvSpPr>
-          <p:cNvPr id="5" name="Text Placeholder 4"/>
-          <p:cNvSpPr>
-            <a:spLocks noGrp="1"/>
-          </p:cNvSpPr>
-          <p:nvPr>
-            <p:ph type="body" sz="quarter" idx="3"/>
-          </p:nvPr>
-        </p:nvSpPr>
-        <p:spPr>
-          <a:xfrm>
-            <a:off x="6515464" y="1249251"/>
-            <a:ext cx="3999001" cy="576262"/>
-          </a:xfrm>
-        </p:spPr>
-        <p:txBody>
-          <a:bodyPr/>
-          <a:lstStyle/>
-          <a:p>
-            <a:r>
-              <a:rPr lang="en-US" dirty="0"/>
-              <a:t>Arduino</a:t>
-            </a:r>
-            <a:endParaRPr lang="en-GB" dirty="0"/>
-          </a:p>
-        </p:txBody>
-      </p:sp>
-      <p:sp>
-        <p:nvSpPr>
-          <p:cNvPr id="6" name="Content Placeholder 5"/>
-          <p:cNvSpPr>
-            <a:spLocks noGrp="1"/>
-          </p:cNvSpPr>
-          <p:nvPr>
-            <p:ph sz="quarter" idx="4"/>
-          </p:nvPr>
-        </p:nvSpPr>
-        <p:spPr>
-          <a:xfrm>
-            <a:off x="6515463" y="1874392"/>
-            <a:ext cx="4989147" cy="3882464"/>
-          </a:xfrm>
-        </p:spPr>
-        <p:txBody>
-          <a:bodyPr>
-            <a:normAutofit/>
-          </a:bodyPr>
-          <a:lstStyle/>
-          <a:p>
-            <a:r>
-              <a:rPr lang="en-US" b="1" dirty="0"/>
-              <a:t>CPU:  	16MHz		RAM:	2KB</a:t>
-            </a:r>
-          </a:p>
-          <a:p>
-            <a:r>
-              <a:rPr lang="en-US" b="1" dirty="0"/>
-              <a:t>Memory:	Built-in flash memory (32KB)</a:t>
-            </a:r>
-          </a:p>
-          <a:p>
-            <a:r>
-              <a:rPr lang="en-US" b="1" dirty="0"/>
-              <a:t>IO Pin: 	 20 (both Digital &amp; Analog) </a:t>
-            </a:r>
-            <a:r>
-              <a:rPr lang="en-US" b="1" dirty="0">
-                <a:solidFill>
-                  <a:srgbClr val="FF0000"/>
-                </a:solidFill>
-              </a:rPr>
-              <a:t>5V</a:t>
-            </a:r>
-          </a:p>
-          <a:p>
-            <a:r>
-              <a:rPr lang="en-US" b="1" dirty="0"/>
-              <a:t>Software: NO</a:t>
-            </a:r>
-          </a:p>
-          <a:p>
-            <a:r>
-              <a:rPr lang="en-US" b="1" dirty="0"/>
-              <a:t>Price:	Cheap</a:t>
-            </a:r>
-          </a:p>
-          <a:p>
-            <a:pPr algn="just"/>
-            <a:r>
-              <a:rPr lang="en-US" b="1" dirty="0">
-                <a:solidFill>
-                  <a:srgbClr val="00B050"/>
-                </a:solidFill>
-              </a:rPr>
-              <a:t>Good</a:t>
-            </a:r>
-            <a:r>
-              <a:rPr lang="en-US" dirty="0"/>
-              <a:t>:	Control electrical component (sensor, motors…), work with digital and analog signals, making robot, prototyping IOT</a:t>
-            </a:r>
-          </a:p>
-          <a:p>
-            <a:pPr algn="just"/>
-            <a:r>
-              <a:rPr lang="en-US" b="1" dirty="0">
-                <a:solidFill>
-                  <a:srgbClr val="FF0000"/>
-                </a:solidFill>
-              </a:rPr>
-              <a:t>Bad</a:t>
-            </a:r>
-            <a:r>
-              <a:rPr lang="en-US" dirty="0"/>
-              <a:t>:		Slow, low memory, limit computational power.</a:t>
-            </a:r>
-            <a:endParaRPr lang="en-GB" dirty="0"/>
-          </a:p>
-          <a:p>
-            <a:endParaRPr lang="en-GB" dirty="0"/>
-          </a:p>
-        </p:txBody>
-      </p:sp>
-    </p:spTree>
-    <p:extLst>
-      <p:ext uri="{BB962C8B-B14F-4D97-AF65-F5344CB8AC3E}">
-        <p14:creationId xmlns:p14="http://schemas.microsoft.com/office/powerpoint/2010/main" val="1179615128"/>
-      </p:ext>
-    </p:extLst>
-  </p:cSld>
-  <p:clrMapOvr>
-    <a:masterClrMapping/>
-  </p:clrMapOvr>
-</p:sld>
-</file>
-
-<file path=ppt/slides/slide6.xml><?xml version="1.0" encoding="utf-8"?>
-<p:sld xmlns:a="http://schemas.openxmlformats.org/drawingml/2006/main" xmlns:r="http://schemas.openxmlformats.org/officeDocument/2006/relationships" xmlns:p="http://schemas.openxmlformats.org/presentationml/2006/main">
-  <p:cSld>
-    <p:spTree>
-      <p:nvGrpSpPr>
-        <p:cNvPr id="1" name=""/>
-        <p:cNvGrpSpPr/>
-        <p:nvPr/>
-      </p:nvGrpSpPr>
-      <p:grpSpPr>
-        <a:xfrm>
-          <a:off x="0" y="0"/>
-          <a:ext cx="0" cy="0"/>
-          <a:chOff x="0" y="0"/>
-          <a:chExt cx="0" cy="0"/>
-        </a:xfrm>
-      </p:grpSpPr>
-      <p:sp useBgFill="1">
-        <p:nvSpPr>
-          <p:cNvPr id="6" name="Rectangle 5"/>
-          <p:cNvSpPr>
-            <a:spLocks noGrp="1" noRot="1" noChangeAspect="1" noMove="1" noResize="1" noEditPoints="1" noAdjustHandles="1" noChangeArrowheads="1" noChangeShapeType="1" noTextEdit="1"/>
-          </p:cNvSpPr>
-          <p:nvPr>
-            <p:extLst>
-              <p:ext uri="{386F3935-93C4-4BCD-93E2-E3B085C9AB24}">
-                <p16:designElem xmlns:p16="http://schemas.microsoft.com/office/powerpoint/2015/main" val="1"/>
-              </p:ext>
-            </p:extLst>
-          </p:nvPr>
-        </p:nvSpPr>
-        <p:spPr>
-          <a:xfrm>
-            <a:off x="0" y="-786"/>
-            <a:ext cx="12192000" cy="6854038"/>
-          </a:xfrm>
-          <a:prstGeom prst="rect">
-            <a:avLst/>
-          </a:prstGeom>
-          <a:ln>
-            <a:noFill/>
-          </a:ln>
-        </p:spPr>
-        <p:style>
-          <a:lnRef idx="2">
-            <a:schemeClr val="accent1">
-              <a:shade val="50000"/>
-            </a:schemeClr>
-          </a:lnRef>
-          <a:fillRef idx="1">
-            <a:schemeClr val="accent1"/>
-          </a:fillRef>
-          <a:effectRef idx="0">
-            <a:schemeClr val="accent1"/>
-          </a:effectRef>
-          <a:fontRef idx="minor">
-            <a:schemeClr val="lt1"/>
-          </a:fontRef>
-        </p:style>
-        <p:txBody>
-          <a:bodyPr rtlCol="0" anchor="ctr"/>
-          <a:lstStyle/>
-          <a:p>
-            <a:pPr algn="ctr"/>
-            <a:endParaRPr lang="en-US"/>
-          </a:p>
-        </p:txBody>
-      </p:sp>
-      <p:sp>
-        <p:nvSpPr>
-          <p:cNvPr id="7" name="Rectangle 6"/>
-          <p:cNvSpPr>
-            <a:spLocks noGrp="1" noRot="1" noChangeAspect="1" noMove="1" noResize="1" noEditPoints="1" noAdjustHandles="1" noChangeArrowheads="1" noChangeShapeType="1" noTextEdit="1"/>
-          </p:cNvSpPr>
-          <p:nvPr>
-            <p:extLst>
-              <p:ext uri="{386F3935-93C4-4BCD-93E2-E3B085C9AB24}">
-                <p16:designElem xmlns:p16="http://schemas.microsoft.com/office/powerpoint/2015/main" val="1"/>
-              </p:ext>
-            </p:extLst>
-          </p:nvPr>
-        </p:nvSpPr>
-        <p:spPr>
-          <a:xfrm>
-            <a:off x="0" y="0"/>
-            <a:ext cx="182880" cy="6858000"/>
-          </a:xfrm>
-          <a:prstGeom prst="rect">
-            <a:avLst/>
-          </a:prstGeom>
-          <a:solidFill>
-            <a:schemeClr val="tx2"/>
-          </a:solidFill>
-          <a:ln>
-            <a:noFill/>
-          </a:ln>
-          <a:effectLst/>
-        </p:spPr>
-        <p:style>
-          <a:lnRef idx="1">
-            <a:schemeClr val="accent1"/>
-          </a:lnRef>
-          <a:fillRef idx="3">
-            <a:schemeClr val="accent1"/>
-          </a:fillRef>
-          <a:effectRef idx="2">
-            <a:schemeClr val="accent1"/>
-          </a:effectRef>
-          <a:fontRef idx="minor">
-            <a:schemeClr val="lt1"/>
-          </a:fontRef>
-        </p:style>
-      </p:sp>
-      <p:sp>
-        <p:nvSpPr>
-          <p:cNvPr id="8" name="Freeform 11"/>
-          <p:cNvSpPr>
-            <a:spLocks noGrp="1" noRot="1" noChangeAspect="1" noMove="1" noResize="1" noEditPoints="1" noAdjustHandles="1" noChangeArrowheads="1" noChangeShapeType="1" noTextEdit="1"/>
-          </p:cNvSpPr>
-          <p:nvPr>
-            <p:extLst>
-              <p:ext uri="{386F3935-93C4-4BCD-93E2-E3B085C9AB24}">
-                <p16:designElem xmlns:p16="http://schemas.microsoft.com/office/powerpoint/2015/main" val="1"/>
-              </p:ext>
-            </p:extLst>
-          </p:nvPr>
-        </p:nvSpPr>
-        <p:spPr>
-          <a:xfrm>
-            <a:off x="-1" y="6061223"/>
-            <a:ext cx="1038036" cy="506277"/>
-          </a:xfrm>
-          <a:custGeom>
-            <a:avLst/>
-            <a:gdLst>
-              <a:gd name="connsiteX0" fmla="*/ 0 w 1038036"/>
-              <a:gd name="connsiteY0" fmla="*/ 0 h 506277"/>
-              <a:gd name="connsiteX1" fmla="*/ 182880 w 1038036"/>
-              <a:gd name="connsiteY1" fmla="*/ 0 h 506277"/>
-              <a:gd name="connsiteX2" fmla="*/ 291705 w 1038036"/>
-              <a:gd name="connsiteY2" fmla="*/ 0 h 506277"/>
-              <a:gd name="connsiteX3" fmla="*/ 291705 w 1038036"/>
-              <a:gd name="connsiteY3" fmla="*/ 151 h 506277"/>
-              <a:gd name="connsiteX4" fmla="*/ 692049 w 1038036"/>
-              <a:gd name="connsiteY4" fmla="*/ 705 h 506277"/>
-              <a:gd name="connsiteX5" fmla="*/ 782744 w 1038036"/>
-              <a:gd name="connsiteY5" fmla="*/ 705 h 506277"/>
-              <a:gd name="connsiteX6" fmla="*/ 797001 w 1038036"/>
-              <a:gd name="connsiteY6" fmla="*/ 5473 h 506277"/>
-              <a:gd name="connsiteX7" fmla="*/ 801982 w 1038036"/>
-              <a:gd name="connsiteY7" fmla="*/ 10242 h 506277"/>
-              <a:gd name="connsiteX8" fmla="*/ 1030951 w 1038036"/>
-              <a:gd name="connsiteY8" fmla="*/ 239185 h 506277"/>
-              <a:gd name="connsiteX9" fmla="*/ 1030951 w 1038036"/>
-              <a:gd name="connsiteY9" fmla="*/ 267797 h 506277"/>
-              <a:gd name="connsiteX10" fmla="*/ 801982 w 1038036"/>
-              <a:gd name="connsiteY10" fmla="*/ 496740 h 506277"/>
-              <a:gd name="connsiteX11" fmla="*/ 797001 w 1038036"/>
-              <a:gd name="connsiteY11" fmla="*/ 501508 h 506277"/>
-              <a:gd name="connsiteX12" fmla="*/ 782744 w 1038036"/>
-              <a:gd name="connsiteY12" fmla="*/ 506277 h 506277"/>
-              <a:gd name="connsiteX13" fmla="*/ 692049 w 1038036"/>
-              <a:gd name="connsiteY13" fmla="*/ 506277 h 506277"/>
-              <a:gd name="connsiteX14" fmla="*/ 291705 w 1038036"/>
-              <a:gd name="connsiteY14" fmla="*/ 505140 h 506277"/>
-              <a:gd name="connsiteX15" fmla="*/ 291705 w 1038036"/>
-              <a:gd name="connsiteY15" fmla="*/ 506277 h 506277"/>
-              <a:gd name="connsiteX16" fmla="*/ 0 w 1038036"/>
-              <a:gd name="connsiteY16" fmla="*/ 506277 h 506277"/>
-            </a:gdLst>
-            <a:ahLst/>
-            <a:cxnLst>
-              <a:cxn ang="0">
-                <a:pos x="connsiteX0" y="connsiteY0"/>
-              </a:cxn>
-              <a:cxn ang="0">
-                <a:pos x="connsiteX1" y="connsiteY1"/>
-              </a:cxn>
-              <a:cxn ang="0">
-                <a:pos x="connsiteX2" y="connsiteY2"/>
-              </a:cxn>
-              <a:cxn ang="0">
-                <a:pos x="connsiteX3" y="connsiteY3"/>
-              </a:cxn>
-              <a:cxn ang="0">
-                <a:pos x="connsiteX4" y="connsiteY4"/>
-              </a:cxn>
-              <a:cxn ang="0">
-                <a:pos x="connsiteX5" y="connsiteY5"/>
-              </a:cxn>
-              <a:cxn ang="0">
-                <a:pos x="connsiteX6" y="connsiteY6"/>
-              </a:cxn>
-              <a:cxn ang="0">
-                <a:pos x="connsiteX7" y="connsiteY7"/>
-              </a:cxn>
-              <a:cxn ang="0">
-                <a:pos x="connsiteX8" y="connsiteY8"/>
-              </a:cxn>
-              <a:cxn ang="0">
-                <a:pos x="connsiteX9" y="connsiteY9"/>
-              </a:cxn>
-              <a:cxn ang="0">
-                <a:pos x="connsiteX10" y="connsiteY10"/>
-              </a:cxn>
-              <a:cxn ang="0">
-                <a:pos x="connsiteX11" y="connsiteY11"/>
-              </a:cxn>
-              <a:cxn ang="0">
-                <a:pos x="connsiteX12" y="connsiteY12"/>
-              </a:cxn>
-              <a:cxn ang="0">
-                <a:pos x="connsiteX13" y="connsiteY13"/>
-              </a:cxn>
-              <a:cxn ang="0">
-                <a:pos x="connsiteX14" y="connsiteY14"/>
-              </a:cxn>
-              <a:cxn ang="0">
-                <a:pos x="connsiteX15" y="connsiteY15"/>
-              </a:cxn>
-              <a:cxn ang="0">
-                <a:pos x="connsiteX16" y="connsiteY16"/>
-              </a:cxn>
-            </a:cxnLst>
-            <a:rect l="l" t="t" r="r" b="b"/>
-            <a:pathLst>
-              <a:path w="1038036" h="506277">
-                <a:moveTo>
-                  <a:pt x="0" y="0"/>
-                </a:moveTo>
-                <a:lnTo>
-                  <a:pt x="182880" y="0"/>
-                </a:lnTo>
-                <a:lnTo>
-                  <a:pt x="291705" y="0"/>
-                </a:lnTo>
-                <a:lnTo>
-                  <a:pt x="291705" y="151"/>
-                </a:lnTo>
-                <a:lnTo>
-                  <a:pt x="692049" y="705"/>
-                </a:lnTo>
-                <a:lnTo>
-                  <a:pt x="782744" y="705"/>
-                </a:lnTo>
-                <a:cubicBezTo>
-                  <a:pt x="787553" y="705"/>
-                  <a:pt x="792363" y="5473"/>
-                  <a:pt x="797001" y="5473"/>
-                </a:cubicBezTo>
-                <a:cubicBezTo>
-                  <a:pt x="797001" y="10242"/>
-                  <a:pt x="801982" y="10242"/>
-                  <a:pt x="801982" y="10242"/>
-                </a:cubicBezTo>
-                <a:lnTo>
-                  <a:pt x="1030951" y="239185"/>
-                </a:lnTo>
-                <a:cubicBezTo>
-                  <a:pt x="1040398" y="248722"/>
-                  <a:pt x="1040398" y="258259"/>
-                  <a:pt x="1030951" y="267797"/>
-                </a:cubicBezTo>
-                <a:lnTo>
-                  <a:pt x="801982" y="496740"/>
-                </a:lnTo>
-                <a:cubicBezTo>
-                  <a:pt x="800436" y="498363"/>
-                  <a:pt x="798547" y="499885"/>
-                  <a:pt x="797001" y="501508"/>
-                </a:cubicBezTo>
-                <a:cubicBezTo>
-                  <a:pt x="792363" y="506277"/>
-                  <a:pt x="787553" y="506277"/>
-                  <a:pt x="782744" y="506277"/>
-                </a:cubicBezTo>
-                <a:lnTo>
-                  <a:pt x="692049" y="506277"/>
-                </a:lnTo>
-                <a:lnTo>
-                  <a:pt x="291705" y="505140"/>
-                </a:lnTo>
-                <a:lnTo>
-                  <a:pt x="291705" y="506277"/>
-                </a:lnTo>
-                <a:lnTo>
-                  <a:pt x="0" y="506277"/>
-                </a:lnTo>
-                <a:close/>
-              </a:path>
-            </a:pathLst>
-          </a:custGeom>
-          <a:ln>
-            <a:noFill/>
-          </a:ln>
-        </p:spPr>
-        <p:style>
-          <a:lnRef idx="2">
-            <a:schemeClr val="accent1">
-              <a:shade val="50000"/>
-            </a:schemeClr>
-          </a:lnRef>
-          <a:fillRef idx="1">
-            <a:schemeClr val="accent1"/>
-          </a:fillRef>
-          <a:effectRef idx="0">
-            <a:schemeClr val="accent1"/>
-          </a:effectRef>
-          <a:fontRef idx="minor">
-            <a:schemeClr val="lt1"/>
-          </a:fontRef>
-        </p:style>
-        <p:txBody>
-          <a:bodyPr rtlCol="0" anchor="ctr"/>
-          <a:lstStyle/>
-          <a:p>
-            <a:pPr algn="ctr"/>
-            <a:endParaRPr lang="en-US"/>
-          </a:p>
-        </p:txBody>
-      </p:sp>
-      <p:pic>
-        <p:nvPicPr>
-          <p:cNvPr id="4" name="Picture 3"/>
-          <p:cNvPicPr>
-            <a:picLocks noChangeAspect="1"/>
-          </p:cNvPicPr>
-          <p:nvPr/>
-        </p:nvPicPr>
         <p:blipFill rotWithShape="1">
           <a:blip r:embed="rId2"/>
           <a:srcRect l="14191" r="23818" b="22202"/>
@@ -10495,6 +12487,13 @@
             </a:r>
           </a:p>
           <a:p>
+            <a:pPr lvl="1"/>
+            <a:r>
+              <a:rPr lang="en-US" dirty="0"/>
+              <a:t>Turn on camera</a:t>
+            </a:r>
+          </a:p>
+          <a:p>
             <a:r>
               <a:rPr lang="en-US" dirty="0" err="1"/>
               <a:t>Sudo</a:t>
@@ -10517,10 +12516,7 @@
               <a:rPr lang="en-US" dirty="0" err="1"/>
               <a:t>wiringpi</a:t>
             </a:r>
-            <a:r>
-              <a:rPr lang="en-US" dirty="0"/>
-              <a:t> ???</a:t>
-            </a:r>
+            <a:endParaRPr lang="en-US" dirty="0"/>
           </a:p>
           <a:p>
             <a:r>
@@ -10771,14 +12767,6 @@
               <a:t>Pi</a:t>
             </a:r>
           </a:p>
-          <a:p>
-            <a:pPr lvl="1"/>
-            <a:endParaRPr lang="en-US" dirty="0">
-              <a:solidFill>
-                <a:schemeClr val="tx1"/>
-              </a:solidFill>
-            </a:endParaRPr>
-          </a:p>
         </p:txBody>
       </p:sp>
     </p:spTree>
@@ -10851,12 +12839,33 @@
             <p:ph idx="1"/>
           </p:nvPr>
         </p:nvSpPr>
-        <p:spPr/>
+        <p:spPr>
+          <a:xfrm>
+            <a:off x="1622739" y="1390918"/>
+            <a:ext cx="8915400" cy="3777622"/>
+          </a:xfrm>
+        </p:spPr>
         <p:txBody>
           <a:bodyPr/>
           <a:lstStyle/>
           <a:p>
-            <a:endParaRPr lang="en-GB"/>
+            <a:r>
+              <a:rPr lang="en-US" dirty="0"/>
+              <a:t>Make LED blink with GPIO pins output</a:t>
+            </a:r>
+          </a:p>
+          <a:p>
+            <a:r>
+              <a:rPr lang="en-US" dirty="0"/>
+              <a:t>Control blinking frequency with button</a:t>
+            </a:r>
+          </a:p>
+          <a:p>
+            <a:r>
+              <a:rPr lang="en-US" dirty="0"/>
+              <a:t>Make LED dim and shine gradually with PWM pins</a:t>
+            </a:r>
+            <a:endParaRPr lang="en-GB" dirty="0"/>
           </a:p>
         </p:txBody>
       </p:sp>

--- a/raspWS.pptx
+++ b/raspWS.pptx
@@ -312,7 +312,7 @@
             <a:fld id="{B61BEF0D-F0BB-DE4B-95CE-6DB70DBA9567}" type="datetimeFigureOut">
               <a:rPr lang="en-US" dirty="0"/>
               <a:pPr/>
-              <a:t>12/29/2016</a:t>
+              <a:t>12/30/2016</a:t>
             </a:fld>
             <a:endParaRPr lang="en-US" dirty="0"/>
           </a:p>
@@ -647,7 +647,7 @@
             <a:fld id="{B61BEF0D-F0BB-DE4B-95CE-6DB70DBA9567}" type="datetimeFigureOut">
               <a:rPr lang="en-US" dirty="0"/>
               <a:pPr/>
-              <a:t>12/29/2016</a:t>
+              <a:t>12/30/2016</a:t>
             </a:fld>
             <a:endParaRPr lang="en-US" dirty="0"/>
           </a:p>
@@ -1045,7 +1045,7 @@
             <a:fld id="{B61BEF0D-F0BB-DE4B-95CE-6DB70DBA9567}" type="datetimeFigureOut">
               <a:rPr lang="en-US" dirty="0"/>
               <a:pPr/>
-              <a:t>12/29/2016</a:t>
+              <a:t>12/30/2016</a:t>
             </a:fld>
             <a:endParaRPr lang="en-US" dirty="0"/>
           </a:p>
@@ -1378,7 +1378,7 @@
             <a:fld id="{B61BEF0D-F0BB-DE4B-95CE-6DB70DBA9567}" type="datetimeFigureOut">
               <a:rPr lang="en-US" dirty="0"/>
               <a:pPr/>
-              <a:t>12/29/2016</a:t>
+              <a:t>12/30/2016</a:t>
             </a:fld>
             <a:endParaRPr lang="en-US" dirty="0"/>
           </a:p>
@@ -1695,7 +1695,7 @@
             <a:fld id="{B61BEF0D-F0BB-DE4B-95CE-6DB70DBA9567}" type="datetimeFigureOut">
               <a:rPr lang="en-US" dirty="0"/>
               <a:pPr/>
-              <a:t>12/29/2016</a:t>
+              <a:t>12/30/2016</a:t>
             </a:fld>
             <a:endParaRPr lang="en-US" dirty="0"/>
           </a:p>
@@ -2088,7 +2088,7 @@
             <a:fld id="{B61BEF0D-F0BB-DE4B-95CE-6DB70DBA9567}" type="datetimeFigureOut">
               <a:rPr lang="en-US" dirty="0"/>
               <a:pPr/>
-              <a:t>12/29/2016</a:t>
+              <a:t>12/30/2016</a:t>
             </a:fld>
             <a:endParaRPr lang="en-US" dirty="0"/>
           </a:p>
@@ -2342,7 +2342,7 @@
             <a:fld id="{B61BEF0D-F0BB-DE4B-95CE-6DB70DBA9567}" type="datetimeFigureOut">
               <a:rPr lang="en-US" dirty="0"/>
               <a:pPr/>
-              <a:t>12/29/2016</a:t>
+              <a:t>12/30/2016</a:t>
             </a:fld>
             <a:endParaRPr lang="en-US" dirty="0"/>
           </a:p>
@@ -2601,7 +2601,7 @@
             <a:fld id="{B61BEF0D-F0BB-DE4B-95CE-6DB70DBA9567}" type="datetimeFigureOut">
               <a:rPr lang="en-US" dirty="0"/>
               <a:pPr/>
-              <a:t>12/29/2016</a:t>
+              <a:t>12/30/2016</a:t>
             </a:fld>
             <a:endParaRPr lang="en-US" dirty="0"/>
           </a:p>
@@ -2860,7 +2860,7 @@
             <a:fld id="{B61BEF0D-F0BB-DE4B-95CE-6DB70DBA9567}" type="datetimeFigureOut">
               <a:rPr lang="en-US" dirty="0"/>
               <a:pPr/>
-              <a:t>12/29/2016</a:t>
+              <a:t>12/30/2016</a:t>
             </a:fld>
             <a:endParaRPr lang="en-US" dirty="0"/>
           </a:p>
@@ -3186,7 +3186,7 @@
             <a:fld id="{B61BEF0D-F0BB-DE4B-95CE-6DB70DBA9567}" type="datetimeFigureOut">
               <a:rPr lang="en-US" dirty="0"/>
               <a:pPr/>
-              <a:t>12/29/2016</a:t>
+              <a:t>12/30/2016</a:t>
             </a:fld>
             <a:endParaRPr lang="en-US" dirty="0"/>
           </a:p>
@@ -3506,7 +3506,7 @@
             <a:fld id="{B61BEF0D-F0BB-DE4B-95CE-6DB70DBA9567}" type="datetimeFigureOut">
               <a:rPr lang="en-US" dirty="0"/>
               <a:pPr/>
-              <a:t>12/29/2016</a:t>
+              <a:t>12/30/2016</a:t>
             </a:fld>
             <a:endParaRPr lang="en-US" dirty="0"/>
           </a:p>
@@ -3960,7 +3960,7 @@
             <a:fld id="{B61BEF0D-F0BB-DE4B-95CE-6DB70DBA9567}" type="datetimeFigureOut">
               <a:rPr lang="en-US" dirty="0"/>
               <a:pPr/>
-              <a:t>12/29/2016</a:t>
+              <a:t>12/30/2016</a:t>
             </a:fld>
             <a:endParaRPr lang="en-US" dirty="0"/>
           </a:p>
@@ -4162,7 +4162,7 @@
             <a:fld id="{B61BEF0D-F0BB-DE4B-95CE-6DB70DBA9567}" type="datetimeFigureOut">
               <a:rPr lang="en-US" dirty="0"/>
               <a:pPr/>
-              <a:t>12/29/2016</a:t>
+              <a:t>12/30/2016</a:t>
             </a:fld>
             <a:endParaRPr lang="en-US" dirty="0"/>
           </a:p>
@@ -4336,7 +4336,7 @@
             <a:fld id="{B61BEF0D-F0BB-DE4B-95CE-6DB70DBA9567}" type="datetimeFigureOut">
               <a:rPr lang="en-US" dirty="0"/>
               <a:pPr/>
-              <a:t>12/29/2016</a:t>
+              <a:t>12/30/2016</a:t>
             </a:fld>
             <a:endParaRPr lang="en-US" dirty="0"/>
           </a:p>
@@ -4666,7 +4666,7 @@
             <a:fld id="{B61BEF0D-F0BB-DE4B-95CE-6DB70DBA9567}" type="datetimeFigureOut">
               <a:rPr lang="en-US" dirty="0"/>
               <a:pPr/>
-              <a:t>12/29/2016</a:t>
+              <a:t>12/30/2016</a:t>
             </a:fld>
             <a:endParaRPr lang="en-US" dirty="0"/>
           </a:p>
@@ -5008,7 +5008,7 @@
             <a:fld id="{B61BEF0D-F0BB-DE4B-95CE-6DB70DBA9567}" type="datetimeFigureOut">
               <a:rPr lang="en-US" dirty="0"/>
               <a:pPr/>
-              <a:t>12/29/2016</a:t>
+              <a:t>12/30/2016</a:t>
             </a:fld>
             <a:endParaRPr lang="en-US" dirty="0"/>
           </a:p>
@@ -7122,7 +7122,7 @@
             <a:fld id="{B61BEF0D-F0BB-DE4B-95CE-6DB70DBA9567}" type="datetimeFigureOut">
               <a:rPr lang="en-US" dirty="0"/>
               <a:pPr/>
-              <a:t>12/29/2016</a:t>
+              <a:t>12/30/2016</a:t>
             </a:fld>
             <a:endParaRPr lang="en-US" dirty="0"/>
           </a:p>
@@ -10510,10 +10510,10 @@
           <a:lstStyle/>
           <a:p>
             <a:r>
-              <a:rPr lang="en-US"/>
-              <a:t>GPIO: Tutorial 2: take a picture </a:t>
-            </a:r>
-            <a:endParaRPr lang="en-GB"/>
+              <a:rPr lang="en-US" dirty="0"/>
+              <a:t>Tutorial 2: take a picture </a:t>
+            </a:r>
+            <a:endParaRPr lang="en-GB" dirty="0"/>
           </a:p>
         </p:txBody>
       </p:sp>
@@ -12535,6 +12535,30 @@
           </a:p>
         </p:txBody>
       </p:sp>
+      <p:pic>
+        <p:nvPicPr>
+          <p:cNvPr id="4" name="Picture 3"/>
+          <p:cNvPicPr>
+            <a:picLocks noChangeAspect="1"/>
+          </p:cNvPicPr>
+          <p:nvPr/>
+        </p:nvPicPr>
+        <p:blipFill>
+          <a:blip r:embed="rId2"/>
+          <a:stretch>
+            <a:fillRect/>
+          </a:stretch>
+        </p:blipFill>
+        <p:spPr>
+          <a:xfrm>
+            <a:off x="5486400" y="1262129"/>
+            <a:ext cx="6567058" cy="3915177"/>
+          </a:xfrm>
+          <a:prstGeom prst="rect">
+            <a:avLst/>
+          </a:prstGeom>
+        </p:spPr>
+      </p:pic>
     </p:spTree>
     <p:extLst>
       <p:ext uri="{BB962C8B-B14F-4D97-AF65-F5344CB8AC3E}">
